--- a/2d겜플 기말발표 2017184002구건모.pptx
+++ b/2d겜플 기말발표 2017184002구건모.pptx
@@ -5744,17 +5744,7 @@
                 <a:latin typeface="맑은 고딕" charset="0"/>
                 <a:ea typeface="맑은 고딕" charset="0"/>
               </a:rPr>
-              <a:t> </a:t>
-            </a:r>
-            <a:r>
-              <a:rPr lang="ko-KR" altLang="en-US" sz="4900" b="0" strike="noStrike" cap="none" dirty="0" smtClean="0">
-                <a:solidFill>
-                  <a:schemeClr val="tx1"/>
-                </a:solidFill>
-                <a:latin typeface="맑은 고딕" charset="0"/>
-                <a:ea typeface="맑은 고딕" charset="0"/>
-              </a:rPr>
-              <a:t>최종발표</a:t>
+              <a:t> 최종발표</a:t>
             </a:r>
             <a:r>
               <a:rPr lang="en-US" altLang="ko-KR" sz="5865" b="0" strike="noStrike" cap="none" dirty="0" smtClean="0">
@@ -6145,6 +6135,66 @@
           </a:p>
         </p:txBody>
       </p:sp>
+      <p:pic>
+        <p:nvPicPr>
+          <p:cNvPr id="6" name="그림 5"/>
+          <p:cNvPicPr>
+            <a:picLocks noChangeAspect="1"/>
+          </p:cNvPicPr>
+          <p:nvPr/>
+        </p:nvPicPr>
+        <p:blipFill>
+          <a:blip r:embed="rId2">
+            <a:extLst>
+              <a:ext uri="{28A0092B-C50C-407E-A947-70E740481C1C}">
+                <a14:useLocalDpi xmlns:a14="http://schemas.microsoft.com/office/drawing/2010/main" val="0"/>
+              </a:ext>
+            </a:extLst>
+          </a:blip>
+          <a:stretch>
+            <a:fillRect/>
+          </a:stretch>
+        </p:blipFill>
+        <p:spPr>
+          <a:xfrm>
+            <a:off x="318855" y="3218520"/>
+            <a:ext cx="2841848" cy="2841848"/>
+          </a:xfrm>
+          <a:prstGeom prst="rect">
+            <a:avLst/>
+          </a:prstGeom>
+        </p:spPr>
+      </p:pic>
+      <p:pic>
+        <p:nvPicPr>
+          <p:cNvPr id="9" name="그림 8"/>
+          <p:cNvPicPr>
+            <a:picLocks noChangeAspect="1"/>
+          </p:cNvPicPr>
+          <p:nvPr/>
+        </p:nvPicPr>
+        <p:blipFill>
+          <a:blip r:embed="rId3">
+            <a:extLst>
+              <a:ext uri="{28A0092B-C50C-407E-A947-70E740481C1C}">
+                <a14:useLocalDpi xmlns:a14="http://schemas.microsoft.com/office/drawing/2010/main" val="0"/>
+              </a:ext>
+            </a:extLst>
+          </a:blip>
+          <a:stretch>
+            <a:fillRect/>
+          </a:stretch>
+        </p:blipFill>
+        <p:spPr>
+          <a:xfrm>
+            <a:off x="8760296" y="4703403"/>
+            <a:ext cx="2185429" cy="2185429"/>
+          </a:xfrm>
+          <a:prstGeom prst="rect">
+            <a:avLst/>
+          </a:prstGeom>
+        </p:spPr>
+      </p:pic>
     </p:spTree>
   </p:cSld>
   <p:clrMapOvr>
@@ -6247,7 +6297,7 @@
         </p:nvSpPr>
         <p:spPr>
           <a:xfrm>
-            <a:off x="609600" y="274320"/>
+            <a:off x="343790" y="119251"/>
             <a:ext cx="10973435" cy="1143635"/>
           </a:xfrm>
           <a:prstGeom prst="rect">
@@ -6303,13 +6353,6 @@
               </a:rPr>
               <a:t>소개</a:t>
             </a:r>
-            <a:endParaRPr lang="ko-KR" altLang="en-US" sz="4800" b="0" strike="noStrike" cap="none" dirty="0" smtClean="0">
-              <a:solidFill>
-                <a:schemeClr val="tx1"/>
-              </a:solidFill>
-              <a:latin typeface="맑은 고딕" charset="0"/>
-              <a:ea typeface="맑은 고딕" charset="0"/>
-            </a:endParaRPr>
           </a:p>
         </p:txBody>
       </p:sp>
@@ -6380,7 +6423,7 @@
         <p:spPr>
           <a:xfrm>
             <a:off x="4776192" y="332656"/>
-            <a:ext cx="6936432" cy="1775294"/>
+            <a:ext cx="6936432" cy="1846659"/>
           </a:xfrm>
           <a:prstGeom prst="rect">
             <a:avLst/>
@@ -6480,14 +6523,24 @@
               <a:buChar char="-"/>
             </a:pPr>
             <a:r>
-              <a:rPr lang="ko-KR" altLang="en-US" sz="2400" dirty="0">
-                <a:solidFill>
-                  <a:schemeClr val="tx1"/>
-                </a:solidFill>
-                <a:latin typeface="맑은 고딕" charset="0"/>
-                <a:ea typeface="맑은 고딕" charset="0"/>
-              </a:rPr>
-              <a:t>주인공과 타워 모두 업그레이드 가능</a:t>
+              <a:rPr lang="ko-KR" altLang="en-US" sz="2400" dirty="0" smtClean="0">
+                <a:solidFill>
+                  <a:schemeClr val="tx1"/>
+                </a:solidFill>
+                <a:latin typeface="맑은 고딕" charset="0"/>
+                <a:ea typeface="맑은 고딕" charset="0"/>
+              </a:rPr>
+              <a:t>주인공과 타워를 다양한 루트로 </a:t>
+            </a:r>
+            <a:r>
+              <a:rPr lang="ko-KR" altLang="en-US" sz="2400" dirty="0" err="1" smtClean="0">
+                <a:solidFill>
+                  <a:schemeClr val="tx1"/>
+                </a:solidFill>
+                <a:latin typeface="맑은 고딕" charset="0"/>
+                <a:ea typeface="맑은 고딕" charset="0"/>
+              </a:rPr>
+              <a:t>업글가능</a:t>
             </a:r>
             <a:endParaRPr lang="en-US" altLang="ko-KR" sz="2400" dirty="0">
               <a:solidFill>
@@ -6744,24 +6797,14 @@
               <a:t> </a:t>
             </a:r>
             <a:r>
-              <a:rPr lang="ko-KR" altLang="en-US" sz="3600" dirty="0" smtClean="0">
-                <a:solidFill>
-                  <a:schemeClr val="tx1"/>
-                </a:solidFill>
-                <a:latin typeface="맑은 고딕" charset="0"/>
-                <a:ea typeface="맑은 고딕" charset="0"/>
-              </a:rPr>
-              <a:t>상</a:t>
-            </a:r>
-            <a:r>
-              <a:rPr lang="ko-KR" altLang="en-US" sz="3600" dirty="0">
-                <a:solidFill>
-                  <a:schemeClr val="tx1"/>
-                </a:solidFill>
-                <a:latin typeface="맑은 고딕" charset="0"/>
-                <a:ea typeface="맑은 고딕" charset="0"/>
-              </a:rPr>
-              <a:t>황</a:t>
+              <a:rPr lang="ko-KR" altLang="en-US" sz="3600" strike="noStrike" cap="none" dirty="0" smtClean="0">
+                <a:solidFill>
+                  <a:schemeClr val="tx1"/>
+                </a:solidFill>
+                <a:latin typeface="맑은 고딕" charset="0"/>
+                <a:ea typeface="맑은 고딕" charset="0"/>
+              </a:rPr>
+              <a:t>진척도</a:t>
             </a:r>
             <a:endParaRPr lang="ko-KR" altLang="en-US" sz="3600" strike="noStrike" cap="none" dirty="0" smtClean="0">
               <a:solidFill>
@@ -6833,84 +6876,46 @@
       </p:sp>
       <p:graphicFrame>
         <p:nvGraphicFramePr>
-          <p:cNvPr id="6" name="내용 개체 틀 5"/>
+          <p:cNvPr id="5" name="내용 개체 틀 5"/>
           <p:cNvGraphicFramePr>
-            <a:graphicFrameLocks noGrp="1"/>
+            <a:graphicFrameLocks/>
           </p:cNvGraphicFramePr>
           <p:nvPr>
-            <p:ph idx="1"/>
             <p:extLst>
               <p:ext uri="{D42A27DB-BD31-4B8C-83A1-F6EECF244321}">
-                <p14:modId xmlns:p14="http://schemas.microsoft.com/office/powerpoint/2010/main" val="4138779374"/>
+                <p14:modId xmlns:p14="http://schemas.microsoft.com/office/powerpoint/2010/main" val="308817603"/>
               </p:ext>
             </p:extLst>
           </p:nvPr>
         </p:nvGraphicFramePr>
         <p:xfrm>
-          <a:off x="609600" y="717376"/>
-          <a:ext cx="11103024" cy="6096000"/>
+          <a:off x="335360" y="749926"/>
+          <a:ext cx="11593288" cy="6005013"/>
         </p:xfrm>
         <a:graphic>
           <a:graphicData uri="http://schemas.openxmlformats.org/drawingml/2006/table">
             <a:tbl>
               <a:tblPr firstRow="1" bandRow="1">
-                <a:tableStyleId>{D7AC3CCA-C797-4891-BE02-D94E43425B78}</a:tableStyleId>
+                <a:tableStyleId>{5C22544A-7EE6-4342-B048-85BDC9FD1C3A}</a:tableStyleId>
               </a:tblPr>
               <a:tblGrid>
-                <a:gridCol w="961169"/>
-                <a:gridCol w="2220975"/>
-                <a:gridCol w="864096"/>
-                <a:gridCol w="7056784"/>
+                <a:gridCol w="936104"/>
+                <a:gridCol w="5400600"/>
+                <a:gridCol w="4176464"/>
+                <a:gridCol w="1080120"/>
               </a:tblGrid>
-              <a:tr h="288000">
-                <a:tc rowSpan="2">
+              <a:tr h="651037">
+                <a:tc>
                   <a:txBody>
                     <a:bodyPr/>
                     <a:lstStyle/>
                     <a:p>
                       <a:pPr algn="ctr" latinLnBrk="1"/>
                       <a:r>
-                        <a:rPr lang="en-US" altLang="ko-KR" sz="2000" b="1" dirty="0" smtClean="0">
-                          <a:solidFill>
-                            <a:schemeClr val="bg1"/>
-                          </a:solidFill>
-                        </a:rPr>
-                        <a:t>1</a:t>
-                      </a:r>
-                      <a:r>
-                        <a:rPr lang="ko-KR" altLang="en-US" sz="2000" b="1" dirty="0" smtClean="0">
-                          <a:solidFill>
-                            <a:schemeClr val="bg1"/>
-                          </a:solidFill>
-                        </a:rPr>
-                        <a:t>주차</a:t>
-                      </a:r>
-                      <a:endParaRPr lang="ko-KR" altLang="en-US" sz="2000" b="1" dirty="0">
-                        <a:solidFill>
-                          <a:schemeClr val="bg1"/>
-                        </a:solidFill>
-                      </a:endParaRPr>
-                    </a:p>
-                  </a:txBody>
-                  <a:tcPr anchor="ctr">
-                    <a:solidFill>
-                      <a:schemeClr val="accent3">
-                        <a:lumMod val="75000"/>
-                      </a:schemeClr>
-                    </a:solidFill>
-                  </a:tcPr>
-                </a:tc>
-                <a:tc rowSpan="2">
-                  <a:txBody>
-                    <a:bodyPr/>
-                    <a:lstStyle/>
-                    <a:p>
-                      <a:pPr algn="ctr" latinLnBrk="1"/>
-                      <a:r>
-                        <a:rPr lang="ko-KR" altLang="en-US" sz="1800" b="0" dirty="0" smtClean="0"/>
-                        <a:t>리소스 제작</a:t>
-                      </a:r>
-                      <a:endParaRPr lang="ko-KR" altLang="en-US" sz="1800" b="0" dirty="0"/>
+                        <a:rPr lang="ko-KR" altLang="en-US" dirty="0" smtClean="0"/>
+                        <a:t>내용</a:t>
+                      </a:r>
+                      <a:endParaRPr lang="ko-KR" altLang="en-US" dirty="0"/>
                     </a:p>
                   </a:txBody>
                   <a:tcPr anchor="ctr"/>
@@ -6922,10 +6927,14 @@
                     <a:p>
                       <a:pPr algn="ctr" latinLnBrk="1"/>
                       <a:r>
-                        <a:rPr lang="ko-KR" altLang="en-US" sz="1800" b="0" dirty="0" smtClean="0"/>
-                        <a:t>계획</a:t>
-                      </a:r>
-                      <a:endParaRPr lang="ko-KR" altLang="en-US" sz="1800" b="0" dirty="0"/>
+                        <a:rPr lang="ko-KR" altLang="en-US" dirty="0" smtClean="0"/>
+                        <a:t>목표 </a:t>
+                      </a:r>
+                      <a:r>
+                        <a:rPr lang="ko-KR" altLang="en-US" dirty="0" smtClean="0"/>
+                        <a:t>범위</a:t>
+                      </a:r>
+                      <a:endParaRPr lang="ko-KR" altLang="en-US" dirty="0"/>
                     </a:p>
                   </a:txBody>
                   <a:tcPr anchor="ctr"/>
@@ -6937,42 +6946,10 @@
                     <a:p>
                       <a:pPr algn="ctr" latinLnBrk="1"/>
                       <a:r>
-                        <a:rPr lang="ko-KR" altLang="en-US" sz="1600" b="0" dirty="0" smtClean="0"/>
-                        <a:t>각종 </a:t>
-                      </a:r>
-                      <a:r>
-                        <a:rPr lang="ko-KR" altLang="en-US" sz="1600" b="0" dirty="0" err="1" smtClean="0"/>
-                        <a:t>스프라이트</a:t>
-                      </a:r>
-                      <a:r>
-                        <a:rPr lang="ko-KR" altLang="en-US" sz="1600" b="0" dirty="0" smtClean="0"/>
-                        <a:t> 제작</a:t>
-                      </a:r>
-                      <a:endParaRPr lang="ko-KR" altLang="en-US" sz="1600" b="0" dirty="0"/>
-                    </a:p>
-                  </a:txBody>
-                  <a:tcPr anchor="ctr"/>
-                </a:tc>
-              </a:tr>
-              <a:tr h="288000">
-                <a:tc vMerge="1">
-                  <a:txBody>
-                    <a:bodyPr/>
-                    <a:lstStyle/>
-                    <a:p>
-                      <a:pPr latinLnBrk="1"/>
-                      <a:endParaRPr lang="ko-KR" altLang="en-US"/>
-                    </a:p>
-                  </a:txBody>
-                  <a:tcPr/>
-                </a:tc>
-                <a:tc vMerge="1">
-                  <a:txBody>
-                    <a:bodyPr/>
-                    <a:lstStyle/>
-                    <a:p>
-                      <a:pPr algn="ctr" latinLnBrk="1"/>
-                      <a:endParaRPr lang="ko-KR" altLang="en-US" sz="1800" b="0" dirty="0"/>
+                        <a:rPr lang="ko-KR" altLang="en-US" dirty="0" smtClean="0"/>
+                        <a:t>실제 개발 범위</a:t>
+                      </a:r>
+                      <a:endParaRPr lang="ko-KR" altLang="en-US" dirty="0"/>
                     </a:p>
                   </a:txBody>
                   <a:tcPr anchor="ctr"/>
@@ -6984,10 +6961,35 @@
                     <a:p>
                       <a:pPr algn="ctr" latinLnBrk="1"/>
                       <a:r>
-                        <a:rPr lang="ko-KR" altLang="en-US" sz="1800" b="0" dirty="0" smtClean="0"/>
-                        <a:t>결과</a:t>
-                      </a:r>
-                      <a:endParaRPr lang="ko-KR" altLang="en-US" sz="1800" b="0" dirty="0"/>
+                        <a:rPr lang="ko-KR" altLang="en-US" dirty="0" smtClean="0"/>
+                        <a:t>진척도</a:t>
+                      </a:r>
+                      <a:endParaRPr lang="ko-KR" altLang="en-US" dirty="0"/>
+                    </a:p>
+                  </a:txBody>
+                  <a:tcPr anchor="ctr"/>
+                </a:tc>
+              </a:tr>
+              <a:tr h="828822">
+                <a:tc>
+                  <a:txBody>
+                    <a:bodyPr/>
+                    <a:lstStyle/>
+                    <a:p>
+                      <a:pPr algn="ctr" latinLnBrk="1"/>
+                      <a:r>
+                        <a:rPr lang="ko-KR" altLang="en-US" dirty="0" smtClean="0"/>
+                        <a:t>캐릭터</a:t>
+                      </a:r>
+                      <a:endParaRPr lang="en-US" altLang="ko-KR" dirty="0" smtClean="0"/>
+                    </a:p>
+                    <a:p>
+                      <a:pPr algn="ctr" latinLnBrk="1"/>
+                      <a:r>
+                        <a:rPr lang="ko-KR" altLang="en-US" dirty="0" smtClean="0"/>
+                        <a:t>컨트롤</a:t>
+                      </a:r>
+                      <a:endParaRPr lang="ko-KR" altLang="en-US" dirty="0"/>
                     </a:p>
                   </a:txBody>
                   <a:tcPr anchor="ctr"/>
@@ -6999,110 +7001,26 @@
                     <a:p>
                       <a:pPr algn="ctr" latinLnBrk="1"/>
                       <a:r>
-                        <a:rPr lang="en-US" altLang="ko-KR" sz="1600" b="0" dirty="0" smtClean="0"/>
-                        <a:t>(85</a:t>
-                      </a:r>
-                      <a:r>
-                        <a:rPr lang="en-US" altLang="ko-KR" sz="1600" b="0" dirty="0" smtClean="0"/>
-                        <a:t>%) </a:t>
-                      </a:r>
-                      <a:r>
-                        <a:rPr lang="ko-KR" altLang="en-US" sz="1600" b="0" dirty="0" smtClean="0"/>
-                        <a:t>애니메이션을 제외한 </a:t>
-                      </a:r>
-                      <a:r>
-                        <a:rPr lang="ko-KR" altLang="en-US" sz="1600" b="0" dirty="0" err="1" smtClean="0"/>
-                        <a:t>스프라이트</a:t>
-                      </a:r>
-                      <a:r>
-                        <a:rPr lang="ko-KR" altLang="en-US" sz="1600" b="0" dirty="0" smtClean="0"/>
-                        <a:t> 제작</a:t>
-                      </a:r>
-                      <a:endParaRPr lang="ko-KR" altLang="en-US" sz="1600" b="0" dirty="0"/>
+                        <a:rPr lang="ko-KR" altLang="en-US" dirty="0" smtClean="0"/>
+                        <a:t>키보드를 이용해 상하 좌우 이동이 가능</a:t>
+                      </a:r>
+                      <a:endParaRPr lang="en-US" altLang="ko-KR" dirty="0" smtClean="0"/>
                     </a:p>
-                  </a:txBody>
-                  <a:tcPr anchor="ctr"/>
-                </a:tc>
-              </a:tr>
-              <a:tr h="288000">
-                <a:tc rowSpan="2">
-                  <a:txBody>
-                    <a:bodyPr/>
-                    <a:lstStyle/>
                     <a:p>
                       <a:pPr algn="ctr" latinLnBrk="1"/>
                       <a:r>
-                        <a:rPr lang="en-US" altLang="ko-KR" sz="2000" b="1" dirty="0" smtClean="0">
-                          <a:solidFill>
-                            <a:schemeClr val="bg1"/>
-                          </a:solidFill>
-                        </a:rPr>
-                        <a:t>2</a:t>
-                      </a:r>
-                      <a:r>
-                        <a:rPr lang="ko-KR" altLang="en-US" sz="2000" b="1" dirty="0" smtClean="0">
-                          <a:solidFill>
-                            <a:schemeClr val="bg1"/>
-                          </a:solidFill>
-                        </a:rPr>
-                        <a:t>주차</a:t>
-                      </a:r>
-                      <a:endParaRPr lang="ko-KR" altLang="en-US" sz="2000" b="1" dirty="0">
-                        <a:solidFill>
-                          <a:schemeClr val="bg1"/>
-                        </a:solidFill>
-                      </a:endParaRPr>
-                    </a:p>
-                  </a:txBody>
-                  <a:tcPr anchor="ctr">
-                    <a:solidFill>
-                      <a:schemeClr val="accent3">
-                        <a:lumMod val="75000"/>
-                      </a:schemeClr>
-                    </a:solidFill>
-                  </a:tcPr>
-                </a:tc>
-                <a:tc rowSpan="2">
-                  <a:txBody>
-                    <a:bodyPr/>
-                    <a:lstStyle/>
-                    <a:p>
-                      <a:pPr algn="ctr" latinLnBrk="1"/>
-                      <a:r>
-                        <a:rPr lang="ko-KR" altLang="en-US" sz="1800" b="0" dirty="0" smtClean="0"/>
-                        <a:t>타일</a:t>
-                      </a:r>
-                      <a:r>
-                        <a:rPr lang="en-US" altLang="ko-KR" sz="1800" b="0" dirty="0" smtClean="0"/>
+                        <a:rPr lang="ko-KR" altLang="en-US" dirty="0" smtClean="0"/>
+                        <a:t>특정키로 화살을 발사 할 수 있게 함</a:t>
+                      </a:r>
+                      <a:r>
+                        <a:rPr lang="en-US" altLang="ko-KR" dirty="0" smtClean="0"/>
                         <a:t>, </a:t>
                       </a:r>
                       <a:r>
-                        <a:rPr lang="ko-KR" altLang="en-US" sz="1800" b="0" dirty="0" smtClean="0"/>
-                        <a:t>주인공 이동</a:t>
-                      </a:r>
-                      <a:endParaRPr lang="ko-KR" altLang="en-US" sz="1800" b="0" dirty="0"/>
-                    </a:p>
-                  </a:txBody>
-                  <a:tcPr anchor="ctr">
-                    <a:solidFill>
-                      <a:schemeClr val="accent3">
-                        <a:lumMod val="40000"/>
-                        <a:lumOff val="60000"/>
-                      </a:schemeClr>
-                    </a:solidFill>
-                  </a:tcPr>
-                </a:tc>
-                <a:tc>
-                  <a:txBody>
-                    <a:bodyPr/>
-                    <a:lstStyle/>
-                    <a:p>
-                      <a:pPr algn="ctr" latinLnBrk="1"/>
-                      <a:r>
-                        <a:rPr lang="ko-KR" altLang="en-US" sz="1800" b="0" dirty="0" smtClean="0"/>
-                        <a:t>계획</a:t>
-                      </a:r>
-                      <a:endParaRPr lang="ko-KR" altLang="en-US" sz="1800" b="0" dirty="0"/>
+                        <a:rPr lang="ko-KR" altLang="en-US" dirty="0" smtClean="0"/>
+                        <a:t>업그레이드 구현</a:t>
+                      </a:r>
+                      <a:endParaRPr lang="ko-KR" altLang="en-US" dirty="0"/>
                     </a:p>
                   </a:txBody>
                   <a:tcPr anchor="ctr"/>
@@ -7114,34 +7032,10 @@
                     <a:p>
                       <a:pPr algn="ctr" latinLnBrk="1"/>
                       <a:r>
-                        <a:rPr lang="ko-KR" altLang="en-US" sz="1600" b="0" dirty="0" smtClean="0"/>
-                        <a:t>주인공이 이동할 수 있는 타일을 설치해 충돌체크 </a:t>
-                      </a:r>
-                      <a:endParaRPr lang="ko-KR" altLang="en-US" sz="1600" b="0" dirty="0"/>
-                    </a:p>
-                  </a:txBody>
-                  <a:tcPr anchor="ctr"/>
-                </a:tc>
-              </a:tr>
-              <a:tr h="288000">
-                <a:tc vMerge="1">
-                  <a:txBody>
-                    <a:bodyPr/>
-                    <a:lstStyle/>
-                    <a:p>
-                      <a:pPr latinLnBrk="1"/>
-                      <a:endParaRPr lang="ko-KR" altLang="en-US"/>
-                    </a:p>
-                  </a:txBody>
-                  <a:tcPr/>
-                </a:tc>
-                <a:tc vMerge="1">
-                  <a:txBody>
-                    <a:bodyPr/>
-                    <a:lstStyle/>
-                    <a:p>
-                      <a:pPr algn="ctr" latinLnBrk="1"/>
-                      <a:endParaRPr lang="ko-KR" altLang="en-US" sz="1800" b="0" dirty="0"/>
+                        <a:rPr lang="ko-KR" altLang="en-US" dirty="0" smtClean="0"/>
+                        <a:t>전부구현</a:t>
+                      </a:r>
+                      <a:endParaRPr lang="ko-KR" altLang="en-US" dirty="0"/>
                     </a:p>
                   </a:txBody>
                   <a:tcPr anchor="ctr"/>
@@ -7153,21 +7047,16 @@
                     <a:p>
                       <a:pPr algn="ctr" latinLnBrk="1"/>
                       <a:r>
-                        <a:rPr lang="ko-KR" altLang="en-US" sz="1800" b="0" dirty="0" smtClean="0"/>
-                        <a:t>결과</a:t>
-                      </a:r>
-                      <a:endParaRPr lang="ko-KR" altLang="en-US" sz="1800" b="0" dirty="0"/>
+                        <a:rPr lang="en-US" altLang="ko-KR" dirty="0" smtClean="0"/>
+                        <a:t>100%</a:t>
+                      </a:r>
+                      <a:endParaRPr lang="ko-KR" altLang="en-US" dirty="0"/>
                     </a:p>
                   </a:txBody>
-                  <a:tcPr anchor="ctr">
-                    <a:solidFill>
-                      <a:schemeClr val="accent3">
-                        <a:lumMod val="60000"/>
-                        <a:lumOff val="40000"/>
-                      </a:schemeClr>
-                    </a:solidFill>
-                  </a:tcPr>
+                  <a:tcPr anchor="ctr"/>
                 </a:tc>
+              </a:tr>
+              <a:tr h="1151001">
                 <a:tc>
                   <a:txBody>
                     <a:bodyPr/>
@@ -7175,72 +7064,10 @@
                     <a:p>
                       <a:pPr algn="ctr" latinLnBrk="1"/>
                       <a:r>
-                        <a:rPr lang="en-US" altLang="ko-KR" sz="1600" b="0" dirty="0" smtClean="0"/>
-                        <a:t>(100%) </a:t>
-                      </a:r>
-                      <a:r>
-                        <a:rPr lang="ko-KR" altLang="en-US" sz="1600" b="0" dirty="0" smtClean="0"/>
-                        <a:t>메모장을 이용해 타일을 설치하고 충돌체크 완료</a:t>
-                      </a:r>
-                      <a:endParaRPr lang="ko-KR" altLang="en-US" sz="1600" b="0" dirty="0"/>
-                    </a:p>
-                  </a:txBody>
-                  <a:tcPr anchor="ctr"/>
-                </a:tc>
-              </a:tr>
-              <a:tr h="288000">
-                <a:tc rowSpan="2">
-                  <a:txBody>
-                    <a:bodyPr/>
-                    <a:lstStyle/>
-                    <a:p>
-                      <a:pPr algn="ctr" latinLnBrk="1"/>
-                      <a:r>
-                        <a:rPr lang="en-US" altLang="ko-KR" sz="2000" b="1" dirty="0" smtClean="0">
-                          <a:solidFill>
-                            <a:schemeClr val="bg1"/>
-                          </a:solidFill>
-                        </a:rPr>
-                        <a:t>3</a:t>
-                      </a:r>
-                      <a:r>
-                        <a:rPr lang="ko-KR" altLang="en-US" sz="2000" b="1" dirty="0" smtClean="0">
-                          <a:solidFill>
-                            <a:schemeClr val="bg1"/>
-                          </a:solidFill>
-                        </a:rPr>
-                        <a:t>주차</a:t>
-                      </a:r>
-                      <a:endParaRPr lang="en-US" altLang="ko-KR" sz="2000" b="1" dirty="0" smtClean="0">
-                        <a:solidFill>
-                          <a:schemeClr val="bg1"/>
-                        </a:solidFill>
-                      </a:endParaRPr>
-                    </a:p>
-                  </a:txBody>
-                  <a:tcPr anchor="ctr">
-                    <a:solidFill>
-                      <a:schemeClr val="accent3">
-                        <a:lumMod val="75000"/>
-                      </a:schemeClr>
-                    </a:solidFill>
-                  </a:tcPr>
-                </a:tc>
-                <a:tc rowSpan="2">
-                  <a:txBody>
-                    <a:bodyPr/>
-                    <a:lstStyle/>
-                    <a:p>
-                      <a:pPr algn="ctr" latinLnBrk="1"/>
-                      <a:r>
-                        <a:rPr lang="ko-KR" altLang="en-US" sz="1800" b="0" dirty="0" err="1" smtClean="0"/>
-                        <a:t>몬스터</a:t>
-                      </a:r>
-                      <a:r>
-                        <a:rPr lang="ko-KR" altLang="en-US" sz="1800" b="0" dirty="0" smtClean="0"/>
-                        <a:t> 이동</a:t>
-                      </a:r>
-                      <a:endParaRPr lang="ko-KR" altLang="en-US" sz="1800" b="0" dirty="0"/>
+                        <a:rPr lang="ko-KR" altLang="en-US" dirty="0" smtClean="0"/>
+                        <a:t>타워</a:t>
+                      </a:r>
+                      <a:endParaRPr lang="ko-KR" altLang="en-US" dirty="0"/>
                     </a:p>
                   </a:txBody>
                   <a:tcPr anchor="ctr"/>
@@ -7252,10 +7079,145 @@
                     <a:p>
                       <a:pPr algn="ctr" latinLnBrk="1"/>
                       <a:r>
-                        <a:rPr lang="ko-KR" altLang="en-US" sz="1800" b="0" dirty="0" smtClean="0"/>
-                        <a:t>계획</a:t>
-                      </a:r>
-                      <a:endParaRPr lang="ko-KR" altLang="en-US" sz="1800" b="0" dirty="0"/>
+                        <a:rPr lang="en-US" altLang="ko-KR" dirty="0" smtClean="0"/>
+                        <a:t>4</a:t>
+                      </a:r>
+                      <a:r>
+                        <a:rPr lang="ko-KR" altLang="en-US" dirty="0" smtClean="0"/>
+                        <a:t>종류의 타워</a:t>
+                      </a:r>
+                      <a:r>
+                        <a:rPr lang="en-US" altLang="ko-KR" dirty="0" smtClean="0"/>
+                        <a:t>(</a:t>
+                      </a:r>
+                      <a:r>
+                        <a:rPr lang="ko-KR" altLang="en-US" dirty="0" smtClean="0"/>
+                        <a:t>공격 </a:t>
+                      </a:r>
+                      <a:r>
+                        <a:rPr lang="en-US" altLang="ko-KR" dirty="0" smtClean="0"/>
+                        <a:t>2</a:t>
+                      </a:r>
+                      <a:r>
+                        <a:rPr lang="ko-KR" altLang="en-US" dirty="0" smtClean="0"/>
+                        <a:t>개</a:t>
+                      </a:r>
+                      <a:r>
+                        <a:rPr lang="en-US" altLang="ko-KR" dirty="0" smtClean="0"/>
+                        <a:t>,</a:t>
+                      </a:r>
+                      <a:r>
+                        <a:rPr lang="ko-KR" altLang="en-US" dirty="0" smtClean="0"/>
+                        <a:t> </a:t>
+                      </a:r>
+                      <a:r>
+                        <a:rPr lang="ko-KR" altLang="en-US" dirty="0" err="1" smtClean="0"/>
+                        <a:t>디버프</a:t>
+                      </a:r>
+                      <a:r>
+                        <a:rPr lang="ko-KR" altLang="en-US" dirty="0" smtClean="0"/>
+                        <a:t> </a:t>
+                      </a:r>
+                      <a:r>
+                        <a:rPr lang="en-US" altLang="ko-KR" dirty="0" smtClean="0"/>
+                        <a:t>1</a:t>
+                      </a:r>
+                      <a:r>
+                        <a:rPr lang="ko-KR" altLang="en-US" dirty="0" smtClean="0"/>
+                        <a:t>개</a:t>
+                      </a:r>
+                      <a:r>
+                        <a:rPr lang="en-US" altLang="ko-KR" dirty="0" smtClean="0"/>
+                        <a:t>, </a:t>
+                      </a:r>
+                      <a:r>
+                        <a:rPr lang="ko-KR" altLang="en-US" dirty="0" err="1" smtClean="0"/>
+                        <a:t>버프</a:t>
+                      </a:r>
+                      <a:r>
+                        <a:rPr lang="ko-KR" altLang="en-US" dirty="0" smtClean="0"/>
+                        <a:t> </a:t>
+                      </a:r>
+                      <a:r>
+                        <a:rPr lang="en-US" altLang="ko-KR" dirty="0" smtClean="0"/>
+                        <a:t>1</a:t>
+                      </a:r>
+                      <a:r>
+                        <a:rPr lang="ko-KR" altLang="en-US" dirty="0" smtClean="0"/>
+                        <a:t>개</a:t>
+                      </a:r>
+                      <a:r>
+                        <a:rPr lang="en-US" altLang="ko-KR" dirty="0" smtClean="0"/>
+                        <a:t>)</a:t>
+                      </a:r>
+                      <a:r>
+                        <a:rPr lang="ko-KR" altLang="en-US" dirty="0" smtClean="0"/>
+                        <a:t> 개발</a:t>
+                      </a:r>
+                      <a:endParaRPr lang="en-US" altLang="ko-KR" dirty="0" smtClean="0"/>
+                    </a:p>
+                    <a:p>
+                      <a:pPr algn="ctr" latinLnBrk="1"/>
+                      <a:r>
+                        <a:rPr lang="ko-KR" altLang="en-US" dirty="0" smtClean="0"/>
+                        <a:t>각 타워는 </a:t>
+                      </a:r>
+                      <a:r>
+                        <a:rPr lang="en-US" altLang="ko-KR" dirty="0" smtClean="0"/>
+                        <a:t>2</a:t>
+                      </a:r>
+                      <a:r>
+                        <a:rPr lang="ko-KR" altLang="en-US" dirty="0" smtClean="0"/>
+                        <a:t>가지 루트로 </a:t>
+                      </a:r>
+                      <a:r>
+                        <a:rPr lang="en-US" altLang="ko-KR" dirty="0" smtClean="0"/>
+                        <a:t>2</a:t>
+                      </a:r>
+                      <a:r>
+                        <a:rPr lang="ko-KR" altLang="en-US" dirty="0" smtClean="0"/>
+                        <a:t>번까지 업그레이드 가능</a:t>
+                      </a:r>
+                      <a:endParaRPr lang="en-US" altLang="ko-KR" dirty="0" smtClean="0"/>
+                    </a:p>
+                    <a:p>
+                      <a:pPr marL="0" marR="0" indent="0" algn="ctr" defTabSz="914400" eaLnBrk="1" fontAlgn="auto" latinLnBrk="1" hangingPunct="1">
+                        <a:lnSpc>
+                          <a:spcPct val="100000"/>
+                        </a:lnSpc>
+                        <a:spcBef>
+                          <a:spcPts val="0"/>
+                        </a:spcBef>
+                        <a:spcAft>
+                          <a:spcPts val="0"/>
+                        </a:spcAft>
+                        <a:buClrTx/>
+                        <a:buSzTx/>
+                        <a:buFontTx/>
+                        <a:buNone/>
+                        <a:tabLst/>
+                        <a:defRPr/>
+                      </a:pPr>
+                      <a:r>
+                        <a:rPr lang="ko-KR" altLang="en-US" dirty="0" smtClean="0"/>
+                        <a:t>타워의 공격이 </a:t>
+                      </a:r>
+                      <a:r>
+                        <a:rPr lang="ko-KR" altLang="en-US" dirty="0" err="1" smtClean="0"/>
+                        <a:t>타겟팅과</a:t>
+                      </a:r>
+                      <a:r>
+                        <a:rPr lang="ko-KR" altLang="en-US" dirty="0" smtClean="0"/>
+                        <a:t> </a:t>
+                      </a:r>
+                      <a:r>
+                        <a:rPr lang="ko-KR" altLang="en-US" dirty="0" err="1" smtClean="0"/>
+                        <a:t>비타겟팅으로</a:t>
+                      </a:r>
+                      <a:r>
+                        <a:rPr lang="ko-KR" altLang="en-US" dirty="0" smtClean="0"/>
+                        <a:t> 구분</a:t>
+                      </a:r>
                     </a:p>
                   </a:txBody>
                   <a:tcPr anchor="ctr"/>
@@ -7267,38 +7229,26 @@
                     <a:p>
                       <a:pPr algn="ctr" latinLnBrk="1"/>
                       <a:r>
-                        <a:rPr lang="ko-KR" altLang="en-US" sz="1600" b="0" dirty="0" err="1" smtClean="0"/>
-                        <a:t>몬스터의</a:t>
-                      </a:r>
-                      <a:r>
-                        <a:rPr lang="ko-KR" altLang="en-US" sz="1600" b="0" dirty="0" smtClean="0"/>
-                        <a:t> 각종 정보 삽입과 지정된 경로로 이동 구현</a:t>
-                      </a:r>
-                      <a:endParaRPr lang="ko-KR" altLang="en-US" sz="1600" b="0" dirty="0"/>
-                    </a:p>
-                  </a:txBody>
-                  <a:tcPr anchor="ctr"/>
-                </a:tc>
-              </a:tr>
-              <a:tr h="288000">
-                <a:tc vMerge="1">
-                  <a:txBody>
-                    <a:bodyPr/>
-                    <a:lstStyle/>
-                    <a:p>
-                      <a:pPr latinLnBrk="1"/>
-                      <a:endParaRPr lang="ko-KR" altLang="en-US"/>
-                    </a:p>
-                  </a:txBody>
-                  <a:tcPr/>
-                </a:tc>
-                <a:tc vMerge="1">
-                  <a:txBody>
-                    <a:bodyPr/>
-                    <a:lstStyle/>
-                    <a:p>
-                      <a:pPr algn="ctr" latinLnBrk="1"/>
-                      <a:endParaRPr lang="ko-KR" altLang="en-US" sz="1800" b="0" dirty="0"/>
+                        <a:rPr lang="ko-KR" altLang="en-US" dirty="0" smtClean="0"/>
+                        <a:t>타워를 </a:t>
+                      </a:r>
+                      <a:r>
+                        <a:rPr lang="en-US" altLang="ko-KR" dirty="0" smtClean="0"/>
+                        <a:t>3</a:t>
+                      </a:r>
+                      <a:r>
+                        <a:rPr lang="ko-KR" altLang="en-US" dirty="0" smtClean="0"/>
+                        <a:t>개만 구현하였고 한 개의 타워는 업그레이드 루트가 </a:t>
+                      </a:r>
+                      <a:r>
+                        <a:rPr lang="en-US" altLang="ko-KR" dirty="0" smtClean="0"/>
+                        <a:t>1</a:t>
+                      </a:r>
+                      <a:r>
+                        <a:rPr lang="ko-KR" altLang="en-US" dirty="0" smtClean="0"/>
+                        <a:t>개뿐</a:t>
+                      </a:r>
+                      <a:endParaRPr lang="en-US" altLang="ko-KR" dirty="0" smtClean="0"/>
                     </a:p>
                   </a:txBody>
                   <a:tcPr anchor="ctr"/>
@@ -7310,14 +7260,16 @@
                     <a:p>
                       <a:pPr algn="ctr" latinLnBrk="1"/>
                       <a:r>
-                        <a:rPr lang="ko-KR" altLang="en-US" sz="1800" b="0" dirty="0" smtClean="0"/>
-                        <a:t>결과</a:t>
-                      </a:r>
-                      <a:endParaRPr lang="ko-KR" altLang="en-US" sz="1800" b="0" dirty="0"/>
+                        <a:rPr lang="en-US" altLang="ko-KR" dirty="0" smtClean="0"/>
+                        <a:t>75%</a:t>
+                      </a:r>
+                      <a:endParaRPr lang="en-US" altLang="ko-KR" dirty="0" smtClean="0"/>
                     </a:p>
                   </a:txBody>
                   <a:tcPr anchor="ctr"/>
                 </a:tc>
+              </a:tr>
+              <a:tr h="986572">
                 <a:tc>
                   <a:txBody>
                     <a:bodyPr/>
@@ -7325,424 +7277,10 @@
                     <a:p>
                       <a:pPr algn="ctr" latinLnBrk="1"/>
                       <a:r>
-                        <a:rPr lang="en-US" altLang="ko-KR" sz="1600" b="0" dirty="0" smtClean="0"/>
-                        <a:t>(100</a:t>
-                      </a:r>
-                      <a:r>
-                        <a:rPr lang="en-US" altLang="ko-KR" sz="1600" b="0" dirty="0" smtClean="0"/>
-                        <a:t>%) </a:t>
-                      </a:r>
-                      <a:r>
-                        <a:rPr lang="ko-KR" altLang="en-US" sz="1600" b="0" dirty="0" err="1" smtClean="0"/>
-                        <a:t>몬스터의</a:t>
-                      </a:r>
-                      <a:r>
-                        <a:rPr lang="ko-KR" altLang="en-US" sz="1600" b="0" dirty="0" smtClean="0"/>
-                        <a:t> </a:t>
-                      </a:r>
-                      <a:r>
-                        <a:rPr lang="ko-KR" altLang="en-US" sz="1600" b="0" dirty="0" smtClean="0"/>
-                        <a:t>경로구현</a:t>
-                      </a:r>
-                      <a:r>
-                        <a:rPr lang="en-US" altLang="ko-KR" sz="1600" b="0" dirty="0" smtClean="0"/>
-                        <a:t>, </a:t>
-                      </a:r>
-                      <a:r>
-                        <a:rPr lang="ko-KR" altLang="en-US" sz="1600" b="0" dirty="0" smtClean="0"/>
-                        <a:t>정보 완료</a:t>
-                      </a:r>
-                      <a:endParaRPr lang="ko-KR" altLang="en-US" sz="1600" b="0" dirty="0"/>
-                    </a:p>
-                  </a:txBody>
-                  <a:tcPr anchor="ctr"/>
-                </a:tc>
-              </a:tr>
-              <a:tr h="288000">
-                <a:tc rowSpan="2">
-                  <a:txBody>
-                    <a:bodyPr/>
-                    <a:lstStyle/>
-                    <a:p>
-                      <a:pPr algn="ctr" latinLnBrk="1"/>
-                      <a:r>
-                        <a:rPr lang="en-US" altLang="ko-KR" sz="2000" b="1" dirty="0" smtClean="0">
-                          <a:solidFill>
-                            <a:schemeClr val="bg1"/>
-                          </a:solidFill>
-                        </a:rPr>
-                        <a:t>4</a:t>
-                      </a:r>
-                      <a:r>
-                        <a:rPr lang="ko-KR" altLang="en-US" sz="2000" b="1" dirty="0" smtClean="0">
-                          <a:solidFill>
-                            <a:schemeClr val="bg1"/>
-                          </a:solidFill>
-                        </a:rPr>
-                        <a:t>주차</a:t>
-                      </a:r>
-                      <a:endParaRPr lang="ko-KR" altLang="en-US" sz="2000" b="1" dirty="0">
-                        <a:solidFill>
-                          <a:schemeClr val="bg1"/>
-                        </a:solidFill>
-                      </a:endParaRPr>
-                    </a:p>
-                  </a:txBody>
-                  <a:tcPr anchor="ctr">
-                    <a:solidFill>
-                      <a:schemeClr val="accent3">
-                        <a:lumMod val="75000"/>
-                      </a:schemeClr>
-                    </a:solidFill>
-                  </a:tcPr>
-                </a:tc>
-                <a:tc rowSpan="2">
-                  <a:txBody>
-                    <a:bodyPr/>
-                    <a:lstStyle/>
-                    <a:p>
-                      <a:pPr algn="ctr" latinLnBrk="1"/>
-                      <a:r>
-                        <a:rPr lang="ko-KR" altLang="en-US" sz="1800" b="0" dirty="0" smtClean="0"/>
-                        <a:t>타워 설치</a:t>
-                      </a:r>
-                      <a:endParaRPr lang="ko-KR" altLang="en-US" sz="1800" b="0" dirty="0"/>
-                    </a:p>
-                  </a:txBody>
-                  <a:tcPr anchor="ctr">
-                    <a:solidFill>
-                      <a:schemeClr val="accent3">
-                        <a:lumMod val="40000"/>
-                        <a:lumOff val="60000"/>
-                      </a:schemeClr>
-                    </a:solidFill>
-                  </a:tcPr>
-                </a:tc>
-                <a:tc>
-                  <a:txBody>
-                    <a:bodyPr/>
-                    <a:lstStyle/>
-                    <a:p>
-                      <a:pPr algn="ctr" latinLnBrk="1"/>
-                      <a:r>
-                        <a:rPr lang="ko-KR" altLang="en-US" sz="1800" b="0" dirty="0" smtClean="0"/>
-                        <a:t>계획</a:t>
-                      </a:r>
-                      <a:endParaRPr lang="ko-KR" altLang="en-US" sz="1800" b="0" dirty="0"/>
-                    </a:p>
-                  </a:txBody>
-                  <a:tcPr anchor="ctr"/>
-                </a:tc>
-                <a:tc>
-                  <a:txBody>
-                    <a:bodyPr/>
-                    <a:lstStyle/>
-                    <a:p>
-                      <a:pPr algn="ctr" latinLnBrk="1"/>
-                      <a:r>
-                        <a:rPr lang="ko-KR" altLang="en-US" sz="1600" b="0" dirty="0" smtClean="0"/>
-                        <a:t>오른쪽 </a:t>
-                      </a:r>
-                      <a:r>
-                        <a:rPr lang="ko-KR" altLang="en-US" sz="1600" b="0" dirty="0" err="1" smtClean="0"/>
-                        <a:t>정보창에서</a:t>
-                      </a:r>
-                      <a:r>
-                        <a:rPr lang="ko-KR" altLang="en-US" sz="1600" b="0" dirty="0" smtClean="0"/>
-                        <a:t> 타워를 끌어다 빈 곳에 설치할 수 있게 구현</a:t>
-                      </a:r>
-                      <a:endParaRPr lang="ko-KR" altLang="en-US" sz="1600" b="0" dirty="0"/>
-                    </a:p>
-                  </a:txBody>
-                  <a:tcPr anchor="ctr"/>
-                </a:tc>
-              </a:tr>
-              <a:tr h="288000">
-                <a:tc vMerge="1">
-                  <a:txBody>
-                    <a:bodyPr/>
-                    <a:lstStyle/>
-                    <a:p>
-                      <a:pPr latinLnBrk="1"/>
-                      <a:endParaRPr lang="ko-KR" altLang="en-US"/>
-                    </a:p>
-                  </a:txBody>
-                  <a:tcPr/>
-                </a:tc>
-                <a:tc vMerge="1">
-                  <a:txBody>
-                    <a:bodyPr/>
-                    <a:lstStyle/>
-                    <a:p>
-                      <a:pPr algn="ctr" latinLnBrk="1"/>
-                      <a:endParaRPr lang="ko-KR" altLang="en-US" sz="1800" b="0" dirty="0"/>
-                    </a:p>
-                  </a:txBody>
-                  <a:tcPr anchor="ctr"/>
-                </a:tc>
-                <a:tc>
-                  <a:txBody>
-                    <a:bodyPr/>
-                    <a:lstStyle/>
-                    <a:p>
-                      <a:pPr algn="ctr" latinLnBrk="1"/>
-                      <a:r>
-                        <a:rPr lang="ko-KR" altLang="en-US" sz="1800" b="0" dirty="0" smtClean="0"/>
-                        <a:t>결과</a:t>
-                      </a:r>
-                      <a:endParaRPr lang="ko-KR" altLang="en-US" sz="1800" b="0" dirty="0"/>
-                    </a:p>
-                  </a:txBody>
-                  <a:tcPr anchor="ctr">
-                    <a:solidFill>
-                      <a:schemeClr val="accent3">
-                        <a:lumMod val="60000"/>
-                        <a:lumOff val="40000"/>
-                      </a:schemeClr>
-                    </a:solidFill>
-                  </a:tcPr>
-                </a:tc>
-                <a:tc>
-                  <a:txBody>
-                    <a:bodyPr/>
-                    <a:lstStyle/>
-                    <a:p>
-                      <a:pPr algn="ctr" latinLnBrk="1"/>
-                      <a:r>
-                        <a:rPr lang="en-US" altLang="ko-KR" sz="1600" b="0" dirty="0" smtClean="0"/>
-                        <a:t>(100%) </a:t>
-                      </a:r>
-                      <a:r>
-                        <a:rPr lang="ko-KR" altLang="en-US" sz="1600" b="0" dirty="0" smtClean="0"/>
-                        <a:t>타워를 누르고 드래그해서 지정된 공간에 설치 구현</a:t>
-                      </a:r>
-                      <a:endParaRPr lang="ko-KR" altLang="en-US" sz="1600" b="0" dirty="0"/>
-                    </a:p>
-                  </a:txBody>
-                  <a:tcPr anchor="ctr"/>
-                </a:tc>
-              </a:tr>
-              <a:tr h="288000">
-                <a:tc rowSpan="2">
-                  <a:txBody>
-                    <a:bodyPr/>
-                    <a:lstStyle/>
-                    <a:p>
-                      <a:pPr algn="ctr" latinLnBrk="1"/>
-                      <a:r>
-                        <a:rPr lang="en-US" altLang="ko-KR" sz="2000" b="1" dirty="0" smtClean="0">
-                          <a:solidFill>
-                            <a:schemeClr val="bg1"/>
-                          </a:solidFill>
-                        </a:rPr>
-                        <a:t>5</a:t>
-                      </a:r>
-                      <a:r>
-                        <a:rPr lang="ko-KR" altLang="en-US" sz="2000" b="1" dirty="0" smtClean="0">
-                          <a:solidFill>
-                            <a:schemeClr val="bg1"/>
-                          </a:solidFill>
-                        </a:rPr>
-                        <a:t>주차</a:t>
-                      </a:r>
-                      <a:endParaRPr lang="ko-KR" altLang="en-US" sz="2000" b="1" dirty="0">
-                        <a:solidFill>
-                          <a:schemeClr val="bg1"/>
-                        </a:solidFill>
-                      </a:endParaRPr>
-                    </a:p>
-                  </a:txBody>
-                  <a:tcPr anchor="ctr">
-                    <a:solidFill>
-                      <a:schemeClr val="accent3">
-                        <a:lumMod val="75000"/>
-                      </a:schemeClr>
-                    </a:solidFill>
-                  </a:tcPr>
-                </a:tc>
-                <a:tc rowSpan="2">
-                  <a:txBody>
-                    <a:bodyPr/>
-                    <a:lstStyle/>
-                    <a:p>
-                      <a:pPr algn="ctr" latinLnBrk="1"/>
-                      <a:r>
-                        <a:rPr lang="ko-KR" altLang="en-US" sz="1800" b="0" dirty="0" smtClean="0"/>
-                        <a:t>타워 업그레이드</a:t>
-                      </a:r>
-                      <a:endParaRPr lang="ko-KR" altLang="en-US" sz="1800" b="0" dirty="0"/>
-                    </a:p>
-                  </a:txBody>
-                  <a:tcPr anchor="ctr"/>
-                </a:tc>
-                <a:tc>
-                  <a:txBody>
-                    <a:bodyPr/>
-                    <a:lstStyle/>
-                    <a:p>
-                      <a:pPr algn="ctr" latinLnBrk="1"/>
-                      <a:r>
-                        <a:rPr lang="ko-KR" altLang="en-US" sz="1800" b="0" dirty="0" smtClean="0"/>
-                        <a:t>계획</a:t>
-                      </a:r>
-                      <a:endParaRPr lang="ko-KR" altLang="en-US" sz="1800" b="0" dirty="0"/>
-                    </a:p>
-                  </a:txBody>
-                  <a:tcPr anchor="ctr"/>
-                </a:tc>
-                <a:tc>
-                  <a:txBody>
-                    <a:bodyPr/>
-                    <a:lstStyle/>
-                    <a:p>
-                      <a:pPr algn="ctr" latinLnBrk="1"/>
-                      <a:r>
-                        <a:rPr lang="ko-KR" altLang="en-US" sz="1600" b="0" dirty="0" smtClean="0"/>
-                        <a:t>타워의 업그레이드 종류</a:t>
-                      </a:r>
-                      <a:r>
-                        <a:rPr lang="en-US" altLang="ko-KR" sz="1600" b="0" dirty="0" smtClean="0"/>
-                        <a:t>, </a:t>
-                      </a:r>
-                      <a:r>
-                        <a:rPr lang="ko-KR" altLang="en-US" sz="1600" b="0" dirty="0" smtClean="0"/>
-                        <a:t>공격 구현</a:t>
-                      </a:r>
-                      <a:endParaRPr lang="ko-KR" altLang="en-US" sz="1600" b="0" dirty="0"/>
-                    </a:p>
-                  </a:txBody>
-                  <a:tcPr anchor="ctr"/>
-                </a:tc>
-              </a:tr>
-              <a:tr h="288000">
-                <a:tc vMerge="1">
-                  <a:txBody>
-                    <a:bodyPr/>
-                    <a:lstStyle/>
-                    <a:p>
-                      <a:pPr latinLnBrk="1"/>
-                      <a:endParaRPr lang="ko-KR" altLang="en-US"/>
-                    </a:p>
-                  </a:txBody>
-                  <a:tcPr/>
-                </a:tc>
-                <a:tc vMerge="1">
-                  <a:txBody>
-                    <a:bodyPr/>
-                    <a:lstStyle/>
-                    <a:p>
-                      <a:pPr algn="ctr" latinLnBrk="1"/>
-                      <a:endParaRPr lang="ko-KR" altLang="en-US" sz="1800" b="0" dirty="0"/>
-                    </a:p>
-                  </a:txBody>
-                  <a:tcPr anchor="ctr"/>
-                </a:tc>
-                <a:tc>
-                  <a:txBody>
-                    <a:bodyPr/>
-                    <a:lstStyle/>
-                    <a:p>
-                      <a:pPr algn="ctr" latinLnBrk="1"/>
-                      <a:r>
-                        <a:rPr lang="ko-KR" altLang="en-US" sz="1800" b="0" dirty="0" smtClean="0"/>
-                        <a:t>결과</a:t>
-                      </a:r>
-                      <a:endParaRPr lang="ko-KR" altLang="en-US" sz="1800" b="0" dirty="0"/>
-                    </a:p>
-                  </a:txBody>
-                  <a:tcPr anchor="ctr"/>
-                </a:tc>
-                <a:tc>
-                  <a:txBody>
-                    <a:bodyPr/>
-                    <a:lstStyle/>
-                    <a:p>
-                      <a:pPr algn="ctr" latinLnBrk="1"/>
-                      <a:r>
-                        <a:rPr lang="en-US" altLang="ko-KR" sz="1600" b="0" dirty="0" smtClean="0"/>
-                        <a:t>(95%) </a:t>
-                      </a:r>
-                      <a:r>
-                        <a:rPr lang="ko-KR" altLang="en-US" sz="1600" b="0" dirty="0" smtClean="0"/>
-                        <a:t>타워 업그레이드 약간 빼고 공격과 구현</a:t>
-                      </a:r>
-                      <a:endParaRPr lang="ko-KR" altLang="en-US" sz="1600" b="0" dirty="0"/>
-                    </a:p>
-                  </a:txBody>
-                  <a:tcPr anchor="ctr"/>
-                </a:tc>
-              </a:tr>
-              <a:tr h="288000">
-                <a:tc rowSpan="2">
-                  <a:txBody>
-                    <a:bodyPr/>
-                    <a:lstStyle/>
-                    <a:p>
-                      <a:pPr algn="ctr" latinLnBrk="1"/>
-                      <a:r>
-                        <a:rPr lang="en-US" altLang="ko-KR" sz="2000" b="1" dirty="0" smtClean="0">
-                          <a:solidFill>
-                            <a:schemeClr val="bg1"/>
-                          </a:solidFill>
-                        </a:rPr>
-                        <a:t>6</a:t>
-                      </a:r>
-                      <a:r>
-                        <a:rPr lang="ko-KR" altLang="en-US" sz="2000" b="1" dirty="0" smtClean="0">
-                          <a:solidFill>
-                            <a:schemeClr val="bg1"/>
-                          </a:solidFill>
-                        </a:rPr>
-                        <a:t>주차</a:t>
-                      </a:r>
-                      <a:endParaRPr lang="ko-KR" altLang="en-US" sz="2000" b="1" dirty="0">
-                        <a:solidFill>
-                          <a:schemeClr val="bg1"/>
-                        </a:solidFill>
-                      </a:endParaRPr>
-                    </a:p>
-                  </a:txBody>
-                  <a:tcPr anchor="ctr">
-                    <a:solidFill>
-                      <a:schemeClr val="accent3">
-                        <a:lumMod val="75000"/>
-                      </a:schemeClr>
-                    </a:solidFill>
-                  </a:tcPr>
-                </a:tc>
-                <a:tc rowSpan="2">
-                  <a:txBody>
-                    <a:bodyPr/>
-                    <a:lstStyle/>
-                    <a:p>
-                      <a:pPr algn="ctr" latinLnBrk="1"/>
-                      <a:r>
-                        <a:rPr lang="ko-KR" altLang="en-US" sz="1800" b="0" dirty="0" smtClean="0"/>
-                        <a:t>주인공 공격</a:t>
-                      </a:r>
-                      <a:endParaRPr lang="ko-KR" altLang="en-US" sz="1800" b="0" dirty="0"/>
-                    </a:p>
-                  </a:txBody>
-                  <a:tcPr anchor="ctr">
-                    <a:solidFill>
-                      <a:schemeClr val="accent3">
-                        <a:lumMod val="40000"/>
-                        <a:lumOff val="60000"/>
-                      </a:schemeClr>
-                    </a:solidFill>
-                  </a:tcPr>
-                </a:tc>
-                <a:tc>
-                  <a:txBody>
-                    <a:bodyPr/>
-                    <a:lstStyle/>
-                    <a:p>
-                      <a:pPr algn="ctr" latinLnBrk="1"/>
-                      <a:r>
-                        <a:rPr lang="ko-KR" altLang="en-US" sz="1600" b="0" dirty="0" smtClean="0"/>
-                        <a:t>계획</a:t>
-                      </a:r>
-                      <a:endParaRPr lang="ko-KR" altLang="en-US" sz="1600" b="0" dirty="0"/>
+                        <a:rPr lang="ko-KR" altLang="en-US" dirty="0" err="1" smtClean="0"/>
+                        <a:t>몬스터</a:t>
+                      </a:r>
+                      <a:endParaRPr lang="ko-KR" altLang="en-US" dirty="0"/>
                     </a:p>
                   </a:txBody>
                   <a:tcPr anchor="ctr"/>
@@ -7770,56 +7308,258 @@
                         <a:defRPr/>
                       </a:pPr>
                       <a:r>
-                        <a:rPr lang="ko-KR" altLang="en-US" sz="1600" b="0" dirty="0" smtClean="0"/>
-                        <a:t>주인공의 공격과 업그레이드 구현</a:t>
-                      </a:r>
-                      <a:r>
-                        <a:rPr lang="en-US" altLang="ko-KR" sz="1600" b="0" dirty="0" smtClean="0"/>
-                        <a:t>, </a:t>
-                      </a:r>
-                      <a:r>
-                        <a:rPr lang="ko-KR" altLang="en-US" sz="1600" b="0" dirty="0" smtClean="0"/>
-                        <a:t>근처에 있어야 타워 설치 가능 구현</a:t>
-                      </a:r>
+                        <a:rPr lang="en-US" altLang="ko-KR" sz="1800" b="0" strike="noStrike" cap="none" dirty="0" smtClean="0">
+                          <a:solidFill>
+                            <a:schemeClr val="tx1"/>
+                          </a:solidFill>
+                          <a:latin typeface="맑은 고딕" charset="0"/>
+                          <a:ea typeface="맑은 고딕" charset="0"/>
+                        </a:rPr>
+                        <a:t>4개</a:t>
+                      </a:r>
+                      <a:r>
+                        <a:rPr lang="ko-KR" altLang="en-US" sz="1800" b="0" strike="noStrike" cap="none" dirty="0" smtClean="0">
+                          <a:solidFill>
+                            <a:schemeClr val="tx1"/>
+                          </a:solidFill>
+                          <a:latin typeface="맑은 고딕" charset="0"/>
+                          <a:ea typeface="맑은 고딕" charset="0"/>
+                        </a:rPr>
+                        <a:t>의</a:t>
+                      </a:r>
+                      <a:r>
+                        <a:rPr lang="en-US" altLang="ko-KR" sz="1800" b="0" strike="noStrike" cap="none" dirty="0" smtClean="0">
+                          <a:solidFill>
+                            <a:schemeClr val="tx1"/>
+                          </a:solidFill>
+                          <a:latin typeface="맑은 고딕" charset="0"/>
+                          <a:ea typeface="맑은 고딕" charset="0"/>
+                        </a:rPr>
+                        <a:t> </a:t>
+                      </a:r>
+                      <a:r>
+                        <a:rPr lang="en-US" altLang="ko-KR" sz="1800" b="0" strike="noStrike" cap="none" dirty="0" err="1" smtClean="0">
+                          <a:solidFill>
+                            <a:schemeClr val="tx1"/>
+                          </a:solidFill>
+                          <a:latin typeface="맑은 고딕" charset="0"/>
+                          <a:ea typeface="맑은 고딕" charset="0"/>
+                        </a:rPr>
+                        <a:t>일반몹</a:t>
+                      </a:r>
+                      <a:r>
+                        <a:rPr lang="en-US" altLang="ko-KR" sz="1800" b="0" strike="noStrike" cap="none" dirty="0" smtClean="0">
+                          <a:solidFill>
+                            <a:schemeClr val="tx1"/>
+                          </a:solidFill>
+                          <a:latin typeface="맑은 고딕" charset="0"/>
+                          <a:ea typeface="맑은 고딕" charset="0"/>
+                        </a:rPr>
+                        <a:t>, 1개</a:t>
+                      </a:r>
+                      <a:r>
+                        <a:rPr lang="ko-KR" altLang="en-US" sz="1800" b="0" strike="noStrike" cap="none" dirty="0" smtClean="0">
+                          <a:solidFill>
+                            <a:schemeClr val="tx1"/>
+                          </a:solidFill>
+                          <a:latin typeface="맑은 고딕" charset="0"/>
+                          <a:ea typeface="맑은 고딕" charset="0"/>
+                        </a:rPr>
+                        <a:t>의</a:t>
+                      </a:r>
+                      <a:r>
+                        <a:rPr lang="en-US" altLang="ko-KR" sz="1800" b="0" strike="noStrike" cap="none" dirty="0" smtClean="0">
+                          <a:solidFill>
+                            <a:schemeClr val="tx1"/>
+                          </a:solidFill>
+                          <a:latin typeface="맑은 고딕" charset="0"/>
+                          <a:ea typeface="맑은 고딕" charset="0"/>
+                        </a:rPr>
+                        <a:t> </a:t>
+                      </a:r>
+                      <a:r>
+                        <a:rPr lang="en-US" altLang="ko-KR" sz="1800" b="0" strike="noStrike" cap="none" dirty="0" err="1" smtClean="0">
+                          <a:solidFill>
+                            <a:schemeClr val="tx1"/>
+                          </a:solidFill>
+                          <a:latin typeface="맑은 고딕" charset="0"/>
+                          <a:ea typeface="맑은 고딕" charset="0"/>
+                        </a:rPr>
+                        <a:t>중보스</a:t>
+                      </a:r>
+                      <a:r>
+                        <a:rPr lang="en-US" altLang="ko-KR" sz="1800" b="0" strike="noStrike" cap="none" dirty="0" smtClean="0">
+                          <a:solidFill>
+                            <a:schemeClr val="tx1"/>
+                          </a:solidFill>
+                          <a:latin typeface="맑은 고딕" charset="0"/>
+                          <a:ea typeface="맑은 고딕" charset="0"/>
+                        </a:rPr>
+                        <a:t>, 1개</a:t>
+                      </a:r>
+                      <a:r>
+                        <a:rPr lang="ko-KR" altLang="en-US" sz="1800" b="0" strike="noStrike" cap="none" dirty="0" smtClean="0">
+                          <a:solidFill>
+                            <a:schemeClr val="tx1"/>
+                          </a:solidFill>
+                          <a:latin typeface="맑은 고딕" charset="0"/>
+                          <a:ea typeface="맑은 고딕" charset="0"/>
+                        </a:rPr>
+                        <a:t>의</a:t>
+                      </a:r>
+                      <a:r>
+                        <a:rPr lang="en-US" altLang="ko-KR" sz="1800" b="0" strike="noStrike" cap="none" dirty="0" smtClean="0">
+                          <a:solidFill>
+                            <a:schemeClr val="tx1"/>
+                          </a:solidFill>
+                          <a:latin typeface="맑은 고딕" charset="0"/>
+                          <a:ea typeface="맑은 고딕" charset="0"/>
+                        </a:rPr>
+                        <a:t> </a:t>
+                      </a:r>
+                      <a:r>
+                        <a:rPr lang="en-US" altLang="ko-KR" sz="1800" b="0" strike="noStrike" cap="none" dirty="0" err="1" smtClean="0">
+                          <a:solidFill>
+                            <a:schemeClr val="tx1"/>
+                          </a:solidFill>
+                          <a:latin typeface="맑은 고딕" charset="0"/>
+                          <a:ea typeface="맑은 고딕" charset="0"/>
+                        </a:rPr>
+                        <a:t>보스</a:t>
+                      </a:r>
+                      <a:r>
+                        <a:rPr lang="en-US" altLang="ko-KR" sz="1800" b="0" strike="noStrike" cap="none" dirty="0" smtClean="0">
+                          <a:solidFill>
+                            <a:schemeClr val="tx1"/>
+                          </a:solidFill>
+                          <a:latin typeface="맑은 고딕" charset="0"/>
+                          <a:ea typeface="맑은 고딕" charset="0"/>
+                        </a:rPr>
+                        <a:t> </a:t>
+                      </a:r>
+                      <a:r>
+                        <a:rPr lang="ko-KR" altLang="en-US" sz="1800" b="0" strike="noStrike" cap="none" dirty="0" smtClean="0">
+                          <a:solidFill>
+                            <a:schemeClr val="tx1"/>
+                          </a:solidFill>
+                          <a:latin typeface="맑은 고딕" charset="0"/>
+                          <a:ea typeface="맑은 고딕" charset="0"/>
+                        </a:rPr>
+                        <a:t>구현</a:t>
+                      </a:r>
+                      <a:endParaRPr lang="en-US" altLang="ko-KR" sz="1800" b="0" strike="noStrike" cap="none" dirty="0" smtClean="0">
+                        <a:solidFill>
+                          <a:schemeClr val="tx1"/>
+                        </a:solidFill>
+                        <a:latin typeface="맑은 고딕" charset="0"/>
+                        <a:ea typeface="맑은 고딕" charset="0"/>
+                      </a:endParaRPr>
                     </a:p>
-                  </a:txBody>
-                  <a:tcPr anchor="ctr"/>
-                </a:tc>
-              </a:tr>
-              <a:tr h="288000">
-                <a:tc vMerge="1">
-                  <a:txBody>
-                    <a:bodyPr/>
-                    <a:lstStyle/>
                     <a:p>
-                      <a:pPr latinLnBrk="1"/>
-                      <a:endParaRPr lang="ko-KR" altLang="en-US"/>
-                    </a:p>
-                  </a:txBody>
-                  <a:tcPr/>
-                </a:tc>
-                <a:tc vMerge="1">
-                  <a:txBody>
-                    <a:bodyPr/>
-                    <a:lstStyle/>
-                    <a:p>
-                      <a:pPr latinLnBrk="1"/>
-                      <a:endParaRPr lang="ko-KR" altLang="en-US"/>
-                    </a:p>
-                  </a:txBody>
-                  <a:tcPr/>
-                </a:tc>
-                <a:tc>
-                  <a:txBody>
-                    <a:bodyPr/>
-                    <a:lstStyle/>
-                    <a:p>
-                      <a:pPr algn="ctr" latinLnBrk="1"/>
-                      <a:r>
-                        <a:rPr lang="ko-KR" altLang="en-US" sz="1600" b="0" dirty="0" smtClean="0"/>
-                        <a:t>결과</a:t>
-                      </a:r>
-                      <a:endParaRPr lang="ko-KR" altLang="en-US" sz="1600" b="0" dirty="0"/>
+                      <a:pPr marL="0" marR="0" indent="0" algn="ctr" defTabSz="914400" eaLnBrk="1" fontAlgn="auto" latinLnBrk="1" hangingPunct="1">
+                        <a:lnSpc>
+                          <a:spcPct val="100000"/>
+                        </a:lnSpc>
+                        <a:spcBef>
+                          <a:spcPts val="0"/>
+                        </a:spcBef>
+                        <a:spcAft>
+                          <a:spcPts val="0"/>
+                        </a:spcAft>
+                        <a:buClrTx/>
+                        <a:buSzTx/>
+                        <a:buFontTx/>
+                        <a:buNone/>
+                        <a:tabLst/>
+                        <a:defRPr/>
+                      </a:pPr>
+                      <a:r>
+                        <a:rPr lang="ko-KR" altLang="en-US" sz="1800" b="0" strike="noStrike" cap="none" dirty="0" smtClean="0">
+                          <a:solidFill>
+                            <a:schemeClr val="tx1"/>
+                          </a:solidFill>
+                          <a:latin typeface="맑은 고딕" charset="0"/>
+                          <a:ea typeface="맑은 고딕" charset="0"/>
+                        </a:rPr>
+                        <a:t>각</a:t>
+                      </a:r>
+                      <a:r>
+                        <a:rPr lang="ko-KR" altLang="en-US" sz="1800" b="0" strike="noStrike" cap="none" baseline="0" dirty="0" smtClean="0">
+                          <a:solidFill>
+                            <a:schemeClr val="dk1"/>
+                          </a:solidFill>
+                          <a:latin typeface="+mn-lt"/>
+                          <a:ea typeface="+mn-ea"/>
+                        </a:rPr>
+                        <a:t> </a:t>
+                      </a:r>
+                      <a:r>
+                        <a:rPr lang="ko-KR" altLang="en-US" sz="1800" b="0" strike="noStrike" cap="none" baseline="0" dirty="0" err="1" smtClean="0">
+                          <a:solidFill>
+                            <a:schemeClr val="dk1"/>
+                          </a:solidFill>
+                          <a:latin typeface="+mn-lt"/>
+                          <a:ea typeface="+mn-ea"/>
+                        </a:rPr>
+                        <a:t>몬스터는</a:t>
+                      </a:r>
+                      <a:r>
+                        <a:rPr lang="ko-KR" altLang="en-US" sz="1800" b="0" strike="noStrike" cap="none" baseline="0" dirty="0" smtClean="0">
+                          <a:solidFill>
+                            <a:schemeClr val="dk1"/>
+                          </a:solidFill>
+                          <a:latin typeface="+mn-lt"/>
+                          <a:ea typeface="+mn-ea"/>
+                        </a:rPr>
+                        <a:t> </a:t>
+                      </a:r>
+                      <a:r>
+                        <a:rPr lang="ko-KR" altLang="en-US" sz="1800" b="0" strike="noStrike" cap="none" baseline="0" dirty="0" err="1" smtClean="0">
+                          <a:solidFill>
+                            <a:schemeClr val="dk1"/>
+                          </a:solidFill>
+                          <a:latin typeface="+mn-lt"/>
+                          <a:ea typeface="+mn-ea"/>
+                        </a:rPr>
+                        <a:t>채력과</a:t>
+                      </a:r>
+                      <a:r>
+                        <a:rPr lang="ko-KR" altLang="en-US" sz="1800" b="0" strike="noStrike" cap="none" baseline="0" dirty="0" smtClean="0">
+                          <a:solidFill>
+                            <a:schemeClr val="dk1"/>
+                          </a:solidFill>
+                          <a:latin typeface="+mn-lt"/>
+                          <a:ea typeface="+mn-ea"/>
+                        </a:rPr>
+                        <a:t> 속도 등 </a:t>
+                      </a:r>
+                      <a:r>
+                        <a:rPr lang="ko-KR" altLang="en-US" sz="1800" b="0" strike="noStrike" cap="none" baseline="0" dirty="0" err="1" smtClean="0">
+                          <a:solidFill>
+                            <a:schemeClr val="dk1"/>
+                          </a:solidFill>
+                          <a:latin typeface="+mn-lt"/>
+                          <a:ea typeface="+mn-ea"/>
+                        </a:rPr>
+                        <a:t>능력치가</a:t>
+                      </a:r>
+                      <a:r>
+                        <a:rPr lang="ko-KR" altLang="en-US" sz="1800" b="0" strike="noStrike" cap="none" baseline="0" dirty="0" smtClean="0">
+                          <a:solidFill>
+                            <a:schemeClr val="dk1"/>
+                          </a:solidFill>
+                          <a:latin typeface="+mn-lt"/>
+                          <a:ea typeface="+mn-ea"/>
+                        </a:rPr>
+                        <a:t> 상이</a:t>
+                      </a:r>
+                      <a:endParaRPr lang="ko-KR" altLang="en-US" sz="1800" b="0" strike="noStrike" cap="none" dirty="0" smtClean="0">
+                        <a:solidFill>
+                          <a:schemeClr val="tx1"/>
+                        </a:solidFill>
+                        <a:latin typeface="맑은 고딕" charset="0"/>
+                        <a:ea typeface="맑은 고딕" charset="0"/>
+                      </a:endParaRPr>
                     </a:p>
                   </a:txBody>
                   <a:tcPr anchor="ctr"/>
@@ -7847,92 +7587,9 @@
                         <a:defRPr/>
                       </a:pPr>
                       <a:r>
-                        <a:rPr lang="en-US" altLang="ko-KR" sz="1800" b="0" dirty="0" smtClean="0"/>
-                        <a:t>(100%) </a:t>
-                      </a:r>
-                      <a:r>
-                        <a:rPr lang="ko-KR" altLang="en-US" sz="1800" b="0" dirty="0" smtClean="0"/>
-                        <a:t>공격</a:t>
-                      </a:r>
-                      <a:r>
-                        <a:rPr lang="en-US" altLang="ko-KR" sz="1800" b="0" dirty="0" smtClean="0"/>
-                        <a:t>,</a:t>
-                      </a:r>
-                      <a:r>
-                        <a:rPr lang="en-US" altLang="ko-KR" sz="1800" b="0" baseline="0" dirty="0" smtClean="0"/>
-                        <a:t> </a:t>
-                      </a:r>
-                      <a:r>
-                        <a:rPr lang="ko-KR" altLang="en-US" sz="1800" b="0" baseline="0" dirty="0" err="1" smtClean="0"/>
-                        <a:t>업글</a:t>
-                      </a:r>
-                      <a:r>
-                        <a:rPr lang="en-US" altLang="ko-KR" sz="1800" b="0" baseline="0" dirty="0" smtClean="0"/>
-                        <a:t>, </a:t>
-                      </a:r>
-                      <a:r>
-                        <a:rPr lang="ko-KR" altLang="en-US" sz="1800" b="0" baseline="0" dirty="0" smtClean="0"/>
-                        <a:t>타워설치 완료</a:t>
-                      </a:r>
-                      <a:endParaRPr lang="ko-KR" altLang="en-US" sz="1800" b="0" dirty="0" smtClean="0"/>
-                    </a:p>
-                  </a:txBody>
-                  <a:tcPr anchor="ctr"/>
-                </a:tc>
-              </a:tr>
-              <a:tr h="288000">
-                <a:tc rowSpan="2">
-                  <a:txBody>
-                    <a:bodyPr/>
-                    <a:lstStyle/>
-                    <a:p>
-                      <a:pPr algn="ctr" latinLnBrk="1"/>
-                      <a:r>
-                        <a:rPr lang="en-US" altLang="ko-KR" sz="2000" b="1" dirty="0" smtClean="0">
-                          <a:solidFill>
-                            <a:schemeClr val="bg1"/>
-                          </a:solidFill>
-                        </a:rPr>
-                        <a:t>7</a:t>
-                      </a:r>
-                      <a:r>
-                        <a:rPr lang="ko-KR" altLang="en-US" sz="2000" b="1" dirty="0" smtClean="0">
-                          <a:solidFill>
-                            <a:schemeClr val="bg1"/>
-                          </a:solidFill>
-                        </a:rPr>
-                        <a:t>주차</a:t>
-                      </a:r>
-                      <a:endParaRPr lang="ko-KR" altLang="en-US" sz="2000" b="1" dirty="0">
-                        <a:solidFill>
-                          <a:schemeClr val="bg1"/>
-                        </a:solidFill>
-                      </a:endParaRPr>
-                    </a:p>
-                  </a:txBody>
-                  <a:tcPr anchor="ctr">
-                    <a:solidFill>
-                      <a:schemeClr val="accent3">
-                        <a:lumMod val="75000"/>
-                      </a:schemeClr>
-                    </a:solidFill>
-                  </a:tcPr>
-                </a:tc>
-                <a:tc rowSpan="2">
-                  <a:txBody>
-                    <a:bodyPr/>
-                    <a:lstStyle/>
-                    <a:p>
-                      <a:pPr algn="ctr" latinLnBrk="1"/>
-                      <a:r>
-                        <a:rPr lang="en-US" altLang="ko-KR" sz="1800" b="0" dirty="0" smtClean="0"/>
-                        <a:t>UI </a:t>
-                      </a:r>
-                      <a:r>
-                        <a:rPr lang="ko-KR" altLang="en-US" sz="1800" b="0" dirty="0" smtClean="0"/>
-                        <a:t>디자인</a:t>
-                      </a:r>
-                      <a:endParaRPr lang="ko-KR" altLang="en-US" sz="1800" b="0" dirty="0"/>
+                        <a:rPr lang="ko-KR" altLang="en-US" dirty="0" smtClean="0"/>
+                        <a:t>전부구현</a:t>
+                      </a:r>
                     </a:p>
                   </a:txBody>
                   <a:tcPr anchor="ctr"/>
@@ -7944,84 +7601,16 @@
                     <a:p>
                       <a:pPr algn="ctr" latinLnBrk="1"/>
                       <a:r>
-                        <a:rPr lang="ko-KR" altLang="en-US" sz="1600" b="0" dirty="0" smtClean="0"/>
-                        <a:t>계획</a:t>
-                      </a:r>
-                      <a:endParaRPr lang="ko-KR" altLang="en-US" sz="1600" b="0" dirty="0"/>
-                    </a:p>
-                  </a:txBody>
-                  <a:tcPr anchor="ctr"/>
-                </a:tc>
-                <a:tc>
-                  <a:txBody>
-                    <a:bodyPr/>
-                    <a:lstStyle/>
-                    <a:p>
-                      <a:pPr marL="0" marR="0" indent="0" algn="ctr" defTabSz="914400" eaLnBrk="1" fontAlgn="auto" latinLnBrk="1" hangingPunct="1">
-                        <a:lnSpc>
-                          <a:spcPct val="100000"/>
-                        </a:lnSpc>
-                        <a:spcBef>
-                          <a:spcPts val="0"/>
-                        </a:spcBef>
-                        <a:spcAft>
-                          <a:spcPts val="0"/>
-                        </a:spcAft>
-                        <a:buClrTx/>
-                        <a:buSzTx/>
-                        <a:buFontTx/>
-                        <a:buNone/>
-                        <a:tabLst/>
-                        <a:defRPr/>
-                      </a:pPr>
-                      <a:r>
-                        <a:rPr lang="ko-KR" altLang="en-US" sz="1600" b="0" dirty="0" smtClean="0"/>
-                        <a:t>배경화면과 </a:t>
-                      </a:r>
-                      <a:r>
-                        <a:rPr lang="ko-KR" altLang="en-US" sz="1600" b="0" dirty="0" err="1" smtClean="0"/>
-                        <a:t>인게임</a:t>
-                      </a:r>
-                      <a:r>
-                        <a:rPr lang="ko-KR" altLang="en-US" sz="1600" b="0" dirty="0" smtClean="0"/>
-                        <a:t> </a:t>
-                      </a:r>
-                      <a:r>
-                        <a:rPr lang="en-US" altLang="ko-KR" sz="1600" b="0" dirty="0" smtClean="0"/>
-                        <a:t>UI</a:t>
-                      </a:r>
-                      <a:r>
-                        <a:rPr lang="ko-KR" altLang="en-US" sz="1600" b="0" dirty="0" smtClean="0"/>
-                        <a:t>제작</a:t>
-                      </a:r>
+                        <a:rPr lang="en-US" altLang="ko-KR" dirty="0" smtClean="0"/>
+                        <a:t>100%</a:t>
+                      </a:r>
+                      <a:endParaRPr lang="ko-KR" altLang="en-US" dirty="0"/>
                     </a:p>
                   </a:txBody>
                   <a:tcPr anchor="ctr"/>
                 </a:tc>
               </a:tr>
-              <a:tr h="288000">
-                <a:tc vMerge="1">
-                  <a:txBody>
-                    <a:bodyPr/>
-                    <a:lstStyle/>
-                    <a:p>
-                      <a:pPr latinLnBrk="1"/>
-                      <a:endParaRPr lang="ko-KR" altLang="en-US"/>
-                    </a:p>
-                  </a:txBody>
-                  <a:tcPr/>
-                </a:tc>
-                <a:tc vMerge="1">
-                  <a:txBody>
-                    <a:bodyPr/>
-                    <a:lstStyle/>
-                    <a:p>
-                      <a:pPr latinLnBrk="1"/>
-                      <a:endParaRPr lang="ko-KR" altLang="en-US"/>
-                    </a:p>
-                  </a:txBody>
-                  <a:tcPr/>
-                </a:tc>
+              <a:tr h="822144">
                 <a:tc>
                   <a:txBody>
                     <a:bodyPr/>
@@ -8029,115 +7618,10 @@
                     <a:p>
                       <a:pPr algn="ctr" latinLnBrk="1"/>
                       <a:r>
-                        <a:rPr lang="ko-KR" altLang="en-US" sz="1600" b="0" dirty="0" smtClean="0"/>
-                        <a:t>결과</a:t>
-                      </a:r>
-                      <a:endParaRPr lang="ko-KR" altLang="en-US" sz="1600" b="0" dirty="0"/>
-                    </a:p>
-                  </a:txBody>
-                  <a:tcPr anchor="ctr"/>
-                </a:tc>
-                <a:tc>
-                  <a:txBody>
-                    <a:bodyPr/>
-                    <a:lstStyle/>
-                    <a:p>
-                      <a:pPr marL="0" marR="0" indent="0" algn="ctr" defTabSz="914400" eaLnBrk="1" fontAlgn="auto" latinLnBrk="1" hangingPunct="1">
-                        <a:lnSpc>
-                          <a:spcPct val="100000"/>
-                        </a:lnSpc>
-                        <a:spcBef>
-                          <a:spcPts val="0"/>
-                        </a:spcBef>
-                        <a:spcAft>
-                          <a:spcPts val="0"/>
-                        </a:spcAft>
-                        <a:buClrTx/>
-                        <a:buSzTx/>
-                        <a:buFontTx/>
-                        <a:buNone/>
-                        <a:tabLst/>
-                        <a:defRPr/>
-                      </a:pPr>
-                      <a:r>
-                        <a:rPr lang="en-US" altLang="ko-KR" sz="1600" b="0" dirty="0" smtClean="0"/>
-                        <a:t>(100%) </a:t>
-                      </a:r>
-                      <a:r>
-                        <a:rPr lang="ko-KR" altLang="en-US" sz="1600" b="0" dirty="0" smtClean="0"/>
-                        <a:t>바탕화면과 </a:t>
-                      </a:r>
-                      <a:r>
-                        <a:rPr lang="ko-KR" altLang="en-US" sz="1600" b="0" dirty="0" err="1" smtClean="0"/>
-                        <a:t>인게임</a:t>
-                      </a:r>
-                      <a:r>
-                        <a:rPr lang="ko-KR" altLang="en-US" sz="1600" b="0" baseline="0" dirty="0" smtClean="0"/>
-                        <a:t> 이미지 자체제작</a:t>
-                      </a:r>
-                      <a:endParaRPr lang="ko-KR" altLang="en-US" sz="1600" b="0" dirty="0" smtClean="0"/>
-                    </a:p>
-                  </a:txBody>
-                  <a:tcPr anchor="ctr"/>
-                </a:tc>
-              </a:tr>
-              <a:tr h="288000">
-                <a:tc rowSpan="2">
-                  <a:txBody>
-                    <a:bodyPr/>
-                    <a:lstStyle/>
-                    <a:p>
-                      <a:pPr algn="ctr" latinLnBrk="1"/>
-                      <a:r>
-                        <a:rPr lang="en-US" altLang="ko-KR" sz="2000" b="1" dirty="0" smtClean="0">
-                          <a:solidFill>
-                            <a:schemeClr val="bg1"/>
-                          </a:solidFill>
-                        </a:rPr>
-                        <a:t>8</a:t>
-                      </a:r>
-                      <a:r>
-                        <a:rPr lang="ko-KR" altLang="en-US" sz="2000" b="1" dirty="0" smtClean="0">
-                          <a:solidFill>
-                            <a:schemeClr val="bg1"/>
-                          </a:solidFill>
-                        </a:rPr>
-                        <a:t>주차</a:t>
-                      </a:r>
-                      <a:endParaRPr lang="ko-KR" altLang="en-US" sz="2000" b="1" dirty="0">
-                        <a:solidFill>
-                          <a:schemeClr val="bg1"/>
-                        </a:solidFill>
-                      </a:endParaRPr>
-                    </a:p>
-                  </a:txBody>
-                  <a:tcPr anchor="ctr">
-                    <a:solidFill>
-                      <a:schemeClr val="accent3">
-                        <a:lumMod val="75000"/>
-                      </a:schemeClr>
-                    </a:solidFill>
-                  </a:tcPr>
-                </a:tc>
-                <a:tc rowSpan="2">
-                  <a:txBody>
-                    <a:bodyPr/>
-                    <a:lstStyle/>
-                    <a:p>
-                      <a:pPr algn="ctr" latinLnBrk="1"/>
-                      <a:r>
-                        <a:rPr lang="ko-KR" altLang="en-US" sz="1800" b="0" dirty="0" smtClean="0"/>
-                        <a:t>부가요소</a:t>
-                      </a:r>
-                      <a:r>
-                        <a:rPr lang="en-US" altLang="ko-KR" sz="1800" b="0" dirty="0" smtClean="0"/>
-                        <a:t>, </a:t>
-                      </a:r>
-                      <a:r>
-                        <a:rPr lang="ko-KR" altLang="en-US" sz="1800" b="0" dirty="0" err="1" smtClean="0"/>
-                        <a:t>밸런싱</a:t>
-                      </a:r>
-                      <a:endParaRPr lang="ko-KR" altLang="en-US" sz="1800" b="0" dirty="0"/>
+                        <a:rPr lang="en-US" altLang="ko-KR" dirty="0" smtClean="0"/>
+                        <a:t>UI</a:t>
+                      </a:r>
+                      <a:endParaRPr lang="ko-KR" altLang="en-US" dirty="0"/>
                     </a:p>
                   </a:txBody>
                   <a:tcPr anchor="ctr"/>
@@ -8149,10 +7633,46 @@
                     <a:p>
                       <a:pPr algn="ctr" latinLnBrk="1"/>
                       <a:r>
-                        <a:rPr lang="ko-KR" altLang="en-US" sz="1600" b="0" dirty="0" smtClean="0"/>
-                        <a:t>계획</a:t>
-                      </a:r>
-                      <a:endParaRPr lang="ko-KR" altLang="en-US" sz="1600" b="0" dirty="0"/>
+                        <a:rPr lang="ko-KR" altLang="en-US" dirty="0" smtClean="0"/>
+                        <a:t>게임시작</a:t>
+                      </a:r>
+                      <a:r>
+                        <a:rPr lang="en-US" altLang="ko-KR" dirty="0" smtClean="0"/>
+                        <a:t>, </a:t>
+                      </a:r>
+                      <a:r>
+                        <a:rPr lang="ko-KR" altLang="en-US" dirty="0" smtClean="0"/>
+                        <a:t>타워현황</a:t>
+                      </a:r>
+                      <a:r>
+                        <a:rPr lang="en-US" altLang="ko-KR" dirty="0" smtClean="0"/>
+                        <a:t>,</a:t>
+                      </a:r>
+                      <a:r>
+                        <a:rPr lang="en-US" altLang="ko-KR" baseline="0" dirty="0" smtClean="0"/>
+                        <a:t> </a:t>
+                      </a:r>
+                      <a:r>
+                        <a:rPr lang="ko-KR" altLang="en-US" baseline="0" dirty="0" smtClean="0"/>
+                        <a:t>소지자금 등 </a:t>
+                      </a:r>
+                      <a:endParaRPr lang="en-US" altLang="ko-KR" baseline="0" dirty="0" smtClean="0"/>
+                    </a:p>
+                    <a:p>
+                      <a:pPr algn="ctr" latinLnBrk="1"/>
+                      <a:r>
+                        <a:rPr lang="ko-KR" altLang="en-US" baseline="0" dirty="0" smtClean="0"/>
+                        <a:t>게임에 필수적인</a:t>
+                      </a:r>
+                      <a:r>
+                        <a:rPr lang="en-US" altLang="ko-KR" baseline="0" dirty="0" smtClean="0"/>
+                        <a:t> UI </a:t>
+                      </a:r>
+                      <a:r>
+                        <a:rPr lang="ko-KR" altLang="en-US" baseline="0" dirty="0" smtClean="0"/>
+                        <a:t>구현</a:t>
+                      </a:r>
+                      <a:endParaRPr lang="ko-KR" altLang="en-US" dirty="0"/>
                     </a:p>
                   </a:txBody>
                   <a:tcPr anchor="ctr"/>
@@ -8162,82 +7682,20 @@
                     <a:bodyPr/>
                     <a:lstStyle/>
                     <a:p>
-                      <a:pPr marL="0" marR="0" indent="0" algn="ctr" defTabSz="914400" eaLnBrk="1" fontAlgn="auto" latinLnBrk="1" hangingPunct="1">
-                        <a:lnSpc>
-                          <a:spcPct val="100000"/>
-                        </a:lnSpc>
-                        <a:spcBef>
-                          <a:spcPts val="0"/>
-                        </a:spcBef>
-                        <a:spcAft>
-                          <a:spcPts val="0"/>
-                        </a:spcAft>
-                        <a:buClrTx/>
-                        <a:buSzTx/>
-                        <a:buFontTx/>
-                        <a:buNone/>
-                        <a:tabLst/>
-                        <a:defRPr/>
-                      </a:pPr>
-                      <a:r>
-                        <a:rPr lang="ko-KR" altLang="en-US" sz="1600" b="0" dirty="0" smtClean="0"/>
-                        <a:t>사운드와 </a:t>
-                      </a:r>
-                      <a:r>
-                        <a:rPr lang="ko-KR" altLang="en-US" sz="1600" b="0" dirty="0" err="1" smtClean="0"/>
-                        <a:t>이팩트</a:t>
-                      </a:r>
-                      <a:r>
-                        <a:rPr lang="ko-KR" altLang="en-US" sz="1600" b="0" dirty="0" smtClean="0"/>
-                        <a:t> 삽입</a:t>
-                      </a:r>
-                      <a:r>
-                        <a:rPr lang="en-US" altLang="ko-KR" sz="1600" b="0" dirty="0" smtClean="0"/>
-                        <a:t>, </a:t>
-                      </a:r>
-                      <a:r>
-                        <a:rPr lang="ko-KR" altLang="en-US" sz="1600" b="0" dirty="0" smtClean="0"/>
-                        <a:t>게임 밸런스 수정</a:t>
-                      </a:r>
-                    </a:p>
-                  </a:txBody>
-                  <a:tcPr anchor="ctr"/>
-                </a:tc>
-              </a:tr>
-              <a:tr h="288000">
-                <a:tc vMerge="1">
-                  <a:txBody>
-                    <a:bodyPr/>
-                    <a:lstStyle/>
-                    <a:p>
-                      <a:pPr latinLnBrk="1"/>
-                      <a:endParaRPr lang="ko-KR" altLang="en-US"/>
-                    </a:p>
-                  </a:txBody>
-                  <a:tcPr/>
-                </a:tc>
-                <a:tc vMerge="1">
-                  <a:txBody>
-                    <a:bodyPr/>
-                    <a:lstStyle/>
-                    <a:p>
-                      <a:pPr latinLnBrk="1"/>
-                      <a:endParaRPr lang="ko-KR" altLang="en-US"/>
-                    </a:p>
-                  </a:txBody>
-                  <a:tcPr/>
-                </a:tc>
-                <a:tc>
-                  <a:txBody>
-                    <a:bodyPr/>
-                    <a:lstStyle/>
-                    <a:p>
                       <a:pPr algn="ctr" latinLnBrk="1"/>
                       <a:r>
-                        <a:rPr lang="ko-KR" altLang="en-US" sz="1600" b="0" dirty="0" smtClean="0"/>
-                        <a:t>결과</a:t>
-                      </a:r>
-                      <a:endParaRPr lang="ko-KR" altLang="en-US" sz="1600" b="0" dirty="0"/>
+                        <a:rPr lang="ko-KR" altLang="en-US" dirty="0" smtClean="0"/>
+                        <a:t>게임에 편의 </a:t>
+                      </a:r>
+                      <a:r>
+                        <a:rPr lang="en-US" altLang="ko-KR" dirty="0" smtClean="0"/>
+                        <a:t>UI</a:t>
+                      </a:r>
+                      <a:r>
+                        <a:rPr lang="ko-KR" altLang="en-US" dirty="0" smtClean="0"/>
+                        <a:t>가 빠져있음</a:t>
+                      </a:r>
+                      <a:endParaRPr lang="ko-KR" altLang="en-US" dirty="0"/>
                     </a:p>
                   </a:txBody>
                   <a:tcPr anchor="ctr"/>
@@ -8247,45 +7705,18 @@
                     <a:bodyPr/>
                     <a:lstStyle/>
                     <a:p>
-                      <a:pPr marL="0" marR="0" indent="0" algn="ctr" defTabSz="914400" eaLnBrk="1" fontAlgn="auto" latinLnBrk="1" hangingPunct="1">
-                        <a:lnSpc>
-                          <a:spcPct val="100000"/>
-                        </a:lnSpc>
-                        <a:spcBef>
-                          <a:spcPts val="0"/>
-                        </a:spcBef>
-                        <a:spcAft>
-                          <a:spcPts val="0"/>
-                        </a:spcAft>
-                        <a:buClrTx/>
-                        <a:buSzTx/>
-                        <a:buFontTx/>
-                        <a:buNone/>
-                        <a:tabLst/>
-                        <a:defRPr/>
-                      </a:pPr>
-                      <a:r>
-                        <a:rPr lang="en-US" altLang="ko-KR" sz="1600" b="0" dirty="0" smtClean="0"/>
-                        <a:t>(75%) </a:t>
-                      </a:r>
-                      <a:r>
-                        <a:rPr lang="ko-KR" altLang="en-US" sz="1600" b="0" dirty="0" smtClean="0"/>
-                        <a:t>사운드 삽입했지만 </a:t>
-                      </a:r>
-                      <a:r>
-                        <a:rPr lang="ko-KR" altLang="en-US" sz="1600" b="0" dirty="0" err="1" smtClean="0"/>
-                        <a:t>이팩트는</a:t>
-                      </a:r>
-                      <a:r>
-                        <a:rPr lang="ko-KR" altLang="en-US" sz="1600" b="0" dirty="0" smtClean="0"/>
-                        <a:t> 미흡</a:t>
-                      </a:r>
+                      <a:pPr algn="ctr" latinLnBrk="1"/>
+                      <a:r>
+                        <a:rPr lang="en-US" altLang="ko-KR" dirty="0" smtClean="0"/>
+                        <a:t>90%</a:t>
+                      </a:r>
+                      <a:endParaRPr lang="ko-KR" altLang="en-US" dirty="0"/>
                     </a:p>
                   </a:txBody>
                   <a:tcPr anchor="ctr"/>
                 </a:tc>
               </a:tr>
-              <a:tr h="324232">
+              <a:tr h="904358">
                 <a:tc>
                   <a:txBody>
                     <a:bodyPr/>
@@ -8293,35 +7724,13 @@
                     <a:p>
                       <a:pPr algn="ctr" latinLnBrk="1"/>
                       <a:r>
-                        <a:rPr lang="en-US" altLang="ko-KR" sz="2000" b="1" dirty="0" smtClean="0">
-                          <a:solidFill>
-                            <a:schemeClr val="bg1"/>
-                          </a:solidFill>
-                        </a:rPr>
-                        <a:t>9</a:t>
-                      </a:r>
-                      <a:r>
-                        <a:rPr lang="ko-KR" altLang="en-US" sz="2000" b="1" dirty="0" smtClean="0">
-                          <a:solidFill>
-                            <a:schemeClr val="bg1"/>
-                          </a:solidFill>
-                        </a:rPr>
-                        <a:t>주차</a:t>
-                      </a:r>
-                      <a:endParaRPr lang="ko-KR" altLang="en-US" sz="2000" b="1" dirty="0">
-                        <a:solidFill>
-                          <a:schemeClr val="bg1"/>
-                        </a:solidFill>
-                      </a:endParaRPr>
+                        <a:rPr lang="ko-KR" altLang="en-US" dirty="0" err="1" smtClean="0"/>
+                        <a:t>스프라이트</a:t>
+                      </a:r>
+                      <a:endParaRPr lang="ko-KR" altLang="en-US" dirty="0"/>
                     </a:p>
                   </a:txBody>
-                  <a:tcPr anchor="ctr">
-                    <a:solidFill>
-                      <a:schemeClr val="accent3">
-                        <a:lumMod val="75000"/>
-                      </a:schemeClr>
-                    </a:solidFill>
-                  </a:tcPr>
+                  <a:tcPr anchor="ctr"/>
                 </a:tc>
                 <a:tc>
                   <a:txBody>
@@ -8330,72 +7739,162 @@
                     <a:p>
                       <a:pPr algn="ctr" latinLnBrk="1"/>
                       <a:r>
-                        <a:rPr lang="ko-KR" altLang="en-US" sz="1800" b="0" dirty="0" smtClean="0"/>
-                        <a:t>최종점검</a:t>
-                      </a:r>
-                      <a:endParaRPr lang="ko-KR" altLang="en-US" sz="1800" b="0" dirty="0"/>
+                        <a:rPr lang="ko-KR" altLang="en-US" dirty="0" smtClean="0"/>
+                        <a:t>캐릭터의 이동과 공격</a:t>
+                      </a:r>
+                      <a:r>
+                        <a:rPr lang="en-US" altLang="ko-KR" dirty="0" smtClean="0"/>
+                        <a:t>, </a:t>
+                      </a:r>
+                      <a:r>
+                        <a:rPr lang="ko-KR" altLang="en-US" dirty="0" smtClean="0"/>
+                        <a:t>타워의 공격과 설치 애니메이션 제작</a:t>
+                      </a:r>
+                      <a:r>
+                        <a:rPr lang="en-US" altLang="ko-KR" dirty="0" smtClean="0"/>
+                        <a:t>, </a:t>
+                      </a:r>
+                      <a:r>
+                        <a:rPr lang="ko-KR" altLang="en-US" dirty="0" err="1" smtClean="0"/>
+                        <a:t>몬스터</a:t>
+                      </a:r>
+                      <a:r>
+                        <a:rPr lang="ko-KR" altLang="en-US" dirty="0" smtClean="0"/>
+                        <a:t> 이동과 배경</a:t>
+                      </a:r>
+                      <a:r>
+                        <a:rPr lang="en-US" altLang="ko-KR" dirty="0" smtClean="0"/>
+                        <a:t>, UI </a:t>
+                      </a:r>
+                      <a:r>
+                        <a:rPr lang="ko-KR" altLang="en-US" dirty="0" smtClean="0"/>
+                        <a:t>제작</a:t>
+                      </a:r>
+                      <a:endParaRPr lang="ko-KR" altLang="en-US" dirty="0"/>
                     </a:p>
                   </a:txBody>
                   <a:tcPr anchor="ctr"/>
                 </a:tc>
-                <a:tc gridSpan="2">
+                <a:tc>
                   <a:txBody>
                     <a:bodyPr/>
                     <a:lstStyle/>
                     <a:p>
-                      <a:pPr marL="0" marR="0" indent="0" algn="ctr" defTabSz="914400" eaLnBrk="1" fontAlgn="auto" latinLnBrk="1" hangingPunct="1">
-                        <a:lnSpc>
-                          <a:spcPct val="100000"/>
-                        </a:lnSpc>
-                        <a:spcBef>
-                          <a:spcPts val="0"/>
-                        </a:spcBef>
-                        <a:spcAft>
-                          <a:spcPts val="0"/>
-                        </a:spcAft>
-                        <a:buClrTx/>
-                        <a:buSzTx/>
-                        <a:buFontTx/>
-                        <a:buNone/>
-                        <a:tabLst/>
-                        <a:defRPr/>
-                      </a:pPr>
-                      <a:r>
-                        <a:rPr lang="ko-KR" altLang="en-US" sz="1600" b="0" dirty="0" smtClean="0"/>
-                        <a:t>버그 리포트와</a:t>
-                      </a:r>
-                      <a:r>
-                        <a:rPr lang="ko-KR" altLang="en-US" sz="1600" b="0" baseline="0" dirty="0" smtClean="0"/>
-                        <a:t> 최종 마무리 점검</a:t>
-                      </a:r>
-                      <a:endParaRPr lang="ko-KR" altLang="en-US" sz="1600" b="0" dirty="0" smtClean="0"/>
+                      <a:pPr algn="ctr" latinLnBrk="1"/>
+                      <a:r>
+                        <a:rPr lang="ko-KR" altLang="en-US" dirty="0" smtClean="0"/>
+                        <a:t>애니메이션이 들어가지 못하였고 </a:t>
+                      </a:r>
+                      <a:endParaRPr lang="en-US" altLang="ko-KR" dirty="0" smtClean="0"/>
+                    </a:p>
+                    <a:p>
+                      <a:pPr algn="ctr" latinLnBrk="1"/>
+                      <a:r>
+                        <a:rPr lang="ko-KR" altLang="en-US" dirty="0" smtClean="0"/>
+                        <a:t>다양한 타워 이미지 제작 실패</a:t>
+                      </a:r>
+                      <a:endParaRPr lang="ko-KR" altLang="en-US" dirty="0"/>
                     </a:p>
                   </a:txBody>
                   <a:tcPr anchor="ctr"/>
                 </a:tc>
-                <a:tc hMerge="1">
+                <a:tc>
                   <a:txBody>
                     <a:bodyPr/>
                     <a:lstStyle/>
                     <a:p>
-                      <a:pPr marL="0" marR="0" indent="0" algn="ctr" defTabSz="914400" eaLnBrk="1" fontAlgn="auto" latinLnBrk="1" hangingPunct="1">
-                        <a:lnSpc>
-                          <a:spcPct val="100000"/>
-                        </a:lnSpc>
-                        <a:spcBef>
-                          <a:spcPts val="0"/>
-                        </a:spcBef>
-                        <a:spcAft>
-                          <a:spcPts val="0"/>
-                        </a:spcAft>
-                        <a:buClrTx/>
-                        <a:buSzTx/>
-                        <a:buFontTx/>
-                        <a:buNone/>
-                        <a:tabLst/>
-                        <a:defRPr/>
-                      </a:pPr>
-                      <a:endParaRPr lang="ko-KR" altLang="en-US" sz="1600" b="0" dirty="0" smtClean="0"/>
+                      <a:pPr algn="ctr" latinLnBrk="1"/>
+                      <a:r>
+                        <a:rPr lang="en-US" altLang="ko-KR" dirty="0" smtClean="0"/>
+                        <a:t>70%</a:t>
+                      </a:r>
+                      <a:endParaRPr lang="ko-KR" altLang="en-US" dirty="0"/>
+                    </a:p>
+                  </a:txBody>
+                  <a:tcPr anchor="ctr"/>
+                </a:tc>
+              </a:tr>
+              <a:tr h="575501">
+                <a:tc>
+                  <a:txBody>
+                    <a:bodyPr/>
+                    <a:lstStyle/>
+                    <a:p>
+                      <a:pPr algn="ctr" latinLnBrk="1"/>
+                      <a:r>
+                        <a:rPr lang="ko-KR" altLang="en-US" dirty="0" smtClean="0"/>
+                        <a:t>사운드</a:t>
+                      </a:r>
+                      <a:endParaRPr lang="ko-KR" altLang="en-US" dirty="0"/>
+                    </a:p>
+                  </a:txBody>
+                  <a:tcPr anchor="ctr"/>
+                </a:tc>
+                <a:tc>
+                  <a:txBody>
+                    <a:bodyPr/>
+                    <a:lstStyle/>
+                    <a:p>
+                      <a:pPr algn="ctr" latinLnBrk="1"/>
+                      <a:r>
+                        <a:rPr lang="ko-KR" altLang="en-US" dirty="0" smtClean="0"/>
+                        <a:t>버튼 클릭</a:t>
+                      </a:r>
+                      <a:r>
+                        <a:rPr lang="en-US" altLang="ko-KR" dirty="0" smtClean="0"/>
+                        <a:t>,</a:t>
+                      </a:r>
+                      <a:r>
+                        <a:rPr lang="en-US" altLang="ko-KR" baseline="0" dirty="0" smtClean="0"/>
+                        <a:t> </a:t>
+                      </a:r>
+                      <a:r>
+                        <a:rPr lang="ko-KR" altLang="en-US" baseline="0" dirty="0" smtClean="0"/>
+                        <a:t>배경음악</a:t>
+                      </a:r>
+                      <a:r>
+                        <a:rPr lang="en-US" altLang="ko-KR" baseline="0" dirty="0" smtClean="0"/>
+                        <a:t>, </a:t>
+                      </a:r>
+                      <a:r>
+                        <a:rPr lang="ko-KR" altLang="en-US" baseline="0" dirty="0" err="1" smtClean="0"/>
+                        <a:t>공격음</a:t>
+                      </a:r>
+                      <a:r>
+                        <a:rPr lang="ko-KR" altLang="en-US" baseline="0" dirty="0" smtClean="0"/>
+                        <a:t> 삽입</a:t>
+                      </a:r>
+                      <a:endParaRPr lang="ko-KR" altLang="en-US" dirty="0"/>
+                    </a:p>
+                  </a:txBody>
+                  <a:tcPr anchor="ctr"/>
+                </a:tc>
+                <a:tc>
+                  <a:txBody>
+                    <a:bodyPr/>
+                    <a:lstStyle/>
+                    <a:p>
+                      <a:pPr algn="ctr" latinLnBrk="1"/>
+                      <a:r>
+                        <a:rPr lang="ko-KR" altLang="en-US" dirty="0" smtClean="0"/>
+                        <a:t>몇몇 부분에서 사운드가 없음</a:t>
+                      </a:r>
+                      <a:endParaRPr lang="ko-KR" altLang="en-US" dirty="0"/>
+                    </a:p>
+                  </a:txBody>
+                  <a:tcPr anchor="ctr"/>
+                </a:tc>
+                <a:tc>
+                  <a:txBody>
+                    <a:bodyPr/>
+                    <a:lstStyle/>
+                    <a:p>
+                      <a:pPr algn="ctr" latinLnBrk="1"/>
+                      <a:r>
+                        <a:rPr lang="en-US" altLang="ko-KR" dirty="0" smtClean="0"/>
+                        <a:t>80%</a:t>
+                      </a:r>
+                      <a:endParaRPr lang="ko-KR" altLang="en-US" dirty="0"/>
                     </a:p>
                   </a:txBody>
                   <a:tcPr anchor="ctr"/>
@@ -8783,7 +8282,7 @@
           <p:nvPr>
             <p:extLst>
               <p:ext uri="{D42A27DB-BD31-4B8C-83A1-F6EECF244321}">
-                <p14:modId xmlns:p14="http://schemas.microsoft.com/office/powerpoint/2010/main" val="2648768236"/>
+                <p14:modId xmlns:p14="http://schemas.microsoft.com/office/powerpoint/2010/main" val="2956638101"/>
               </p:ext>
             </p:extLst>
           </p:nvPr>
@@ -9140,6 +8639,13 @@
       <p:transition spd="slow"/>
     </mc:Fallback>
   </mc:AlternateContent>
+  <p:timing>
+    <p:tnLst>
+      <p:par>
+        <p:cTn id="1" dur="indefinite" restart="never" nodeType="tmRoot"/>
+      </p:par>
+    </p:tnLst>
+  </p:timing>
 </p:sld>
 </file>
 
@@ -9678,6 +9184,13 @@
       <p:transition spd="slow"/>
     </mc:Fallback>
   </mc:AlternateContent>
+  <p:timing>
+    <p:tnLst>
+      <p:par>
+        <p:cTn id="1" dur="indefinite" restart="never" nodeType="tmRoot"/>
+      </p:par>
+    </p:tnLst>
+  </p:timing>
 </p:sld>
 </file>
 
@@ -10059,7 +9572,7 @@
   <a:extraClrSchemeLst/>
   <a:extLst>
     <a:ext uri="{05A4C25C-085E-4340-85A3-A5531E510DB2}">
-      <thm15:themeFamily xmlns:thm15="http://schemas.microsoft.com/office/thememl/2012/main" xmlns="" name="Office Theme" id="{62F939B6-93AF-4DB8-9C6B-D6C7DFDC589F}" vid="{4A3C46E8-61CC-4603-A589-7422A47A8E4A}"/>
+      <thm15:themeFamily xmlns="" xmlns:thm15="http://schemas.microsoft.com/office/thememl/2012/main" name="Office Theme" id="{62F939B6-93AF-4DB8-9C6B-D6C7DFDC589F}" vid="{4A3C46E8-61CC-4603-A589-7422A47A8E4A}"/>
     </a:ext>
   </a:extLst>
 </a:theme>
